--- a/Plus One/8 Arrays.pptx
+++ b/Plus One/8 Arrays.pptx
@@ -15,33 +15,36 @@
     <p:sldId id="398" r:id="rId9"/>
     <p:sldId id="399" r:id="rId10"/>
     <p:sldId id="400" r:id="rId11"/>
-    <p:sldId id="401" r:id="rId12"/>
-    <p:sldId id="402" r:id="rId13"/>
-    <p:sldId id="420" r:id="rId14"/>
-    <p:sldId id="403" r:id="rId15"/>
-    <p:sldId id="404" r:id="rId16"/>
-    <p:sldId id="405" r:id="rId17"/>
-    <p:sldId id="406" r:id="rId18"/>
-    <p:sldId id="407" r:id="rId19"/>
-    <p:sldId id="408" r:id="rId20"/>
-    <p:sldId id="409" r:id="rId21"/>
-    <p:sldId id="396" r:id="rId22"/>
-    <p:sldId id="412" r:id="rId23"/>
-    <p:sldId id="413" r:id="rId24"/>
-    <p:sldId id="414" r:id="rId25"/>
-    <p:sldId id="416" r:id="rId26"/>
-    <p:sldId id="417" r:id="rId27"/>
-    <p:sldId id="418" r:id="rId28"/>
-    <p:sldId id="419" r:id="rId29"/>
-    <p:sldId id="421" r:id="rId30"/>
-    <p:sldId id="410" r:id="rId31"/>
-    <p:sldId id="422" r:id="rId32"/>
-    <p:sldId id="424" r:id="rId33"/>
-    <p:sldId id="425" r:id="rId34"/>
-    <p:sldId id="426" r:id="rId35"/>
-    <p:sldId id="428" r:id="rId36"/>
-    <p:sldId id="427" r:id="rId37"/>
-    <p:sldId id="423" r:id="rId38"/>
+    <p:sldId id="430" r:id="rId12"/>
+    <p:sldId id="431" r:id="rId13"/>
+    <p:sldId id="429" r:id="rId14"/>
+    <p:sldId id="401" r:id="rId15"/>
+    <p:sldId id="402" r:id="rId16"/>
+    <p:sldId id="420" r:id="rId17"/>
+    <p:sldId id="403" r:id="rId18"/>
+    <p:sldId id="404" r:id="rId19"/>
+    <p:sldId id="405" r:id="rId20"/>
+    <p:sldId id="406" r:id="rId21"/>
+    <p:sldId id="407" r:id="rId22"/>
+    <p:sldId id="408" r:id="rId23"/>
+    <p:sldId id="409" r:id="rId24"/>
+    <p:sldId id="396" r:id="rId25"/>
+    <p:sldId id="412" r:id="rId26"/>
+    <p:sldId id="413" r:id="rId27"/>
+    <p:sldId id="414" r:id="rId28"/>
+    <p:sldId id="416" r:id="rId29"/>
+    <p:sldId id="417" r:id="rId30"/>
+    <p:sldId id="418" r:id="rId31"/>
+    <p:sldId id="419" r:id="rId32"/>
+    <p:sldId id="421" r:id="rId33"/>
+    <p:sldId id="410" r:id="rId34"/>
+    <p:sldId id="422" r:id="rId35"/>
+    <p:sldId id="424" r:id="rId36"/>
+    <p:sldId id="425" r:id="rId37"/>
+    <p:sldId id="426" r:id="rId38"/>
+    <p:sldId id="428" r:id="rId39"/>
+    <p:sldId id="427" r:id="rId40"/>
+    <p:sldId id="423" r:id="rId41"/>
   </p:sldIdLst>
   <p:sldSz cx="12192000" cy="6858000"/>
   <p:notesSz cx="6858000" cy="9144000"/>
@@ -348,7 +351,7 @@
             <a:fld id="{B61BEF0D-F0BB-DE4B-95CE-6DB70DBA9567}" type="datetimeFigureOut">
               <a:rPr lang="en-US" smtClean="0"/>
               <a:pPr/>
-              <a:t>7/4/2021</a:t>
+              <a:t>7/5/2021</a:t>
             </a:fld>
             <a:endParaRPr lang="en-US" dirty="0"/>
           </a:p>
@@ -688,7 +691,7 @@
             <a:fld id="{B61BEF0D-F0BB-DE4B-95CE-6DB70DBA9567}" type="datetimeFigureOut">
               <a:rPr lang="en-US" smtClean="0"/>
               <a:pPr/>
-              <a:t>7/4/2021</a:t>
+              <a:t>7/5/2021</a:t>
             </a:fld>
             <a:endParaRPr lang="en-US" dirty="0"/>
           </a:p>
@@ -1091,7 +1094,7 @@
             <a:fld id="{B61BEF0D-F0BB-DE4B-95CE-6DB70DBA9567}" type="datetimeFigureOut">
               <a:rPr lang="en-US" smtClean="0"/>
               <a:pPr/>
-              <a:t>7/4/2021</a:t>
+              <a:t>7/5/2021</a:t>
             </a:fld>
             <a:endParaRPr lang="en-US" dirty="0"/>
           </a:p>
@@ -1429,7 +1432,7 @@
             <a:fld id="{B61BEF0D-F0BB-DE4B-95CE-6DB70DBA9567}" type="datetimeFigureOut">
               <a:rPr lang="en-US" smtClean="0"/>
               <a:pPr/>
-              <a:t>7/4/2021</a:t>
+              <a:t>7/5/2021</a:t>
             </a:fld>
             <a:endParaRPr lang="en-US" dirty="0"/>
           </a:p>
@@ -1751,7 +1754,7 @@
             <a:fld id="{B61BEF0D-F0BB-DE4B-95CE-6DB70DBA9567}" type="datetimeFigureOut">
               <a:rPr lang="en-US" smtClean="0"/>
               <a:pPr/>
-              <a:t>7/4/2021</a:t>
+              <a:t>7/5/2021</a:t>
             </a:fld>
             <a:endParaRPr lang="en-US" dirty="0"/>
           </a:p>
@@ -2149,7 +2152,7 @@
             <a:fld id="{B61BEF0D-F0BB-DE4B-95CE-6DB70DBA9567}" type="datetimeFigureOut">
               <a:rPr lang="en-US" smtClean="0"/>
               <a:pPr/>
-              <a:t>7/4/2021</a:t>
+              <a:t>7/5/2021</a:t>
             </a:fld>
             <a:endParaRPr lang="en-US" dirty="0"/>
           </a:p>
@@ -2408,7 +2411,7 @@
             <a:fld id="{B61BEF0D-F0BB-DE4B-95CE-6DB70DBA9567}" type="datetimeFigureOut">
               <a:rPr lang="en-US" smtClean="0"/>
               <a:pPr/>
-              <a:t>7/4/2021</a:t>
+              <a:t>7/5/2021</a:t>
             </a:fld>
             <a:endParaRPr lang="en-US" dirty="0"/>
           </a:p>
@@ -2672,7 +2675,7 @@
             <a:fld id="{B61BEF0D-F0BB-DE4B-95CE-6DB70DBA9567}" type="datetimeFigureOut">
               <a:rPr lang="en-US" smtClean="0"/>
               <a:pPr/>
-              <a:t>7/4/2021</a:t>
+              <a:t>7/5/2021</a:t>
             </a:fld>
             <a:endParaRPr lang="en-US" dirty="0"/>
           </a:p>
@@ -2936,7 +2939,7 @@
             <a:fld id="{B61BEF0D-F0BB-DE4B-95CE-6DB70DBA9567}" type="datetimeFigureOut">
               <a:rPr lang="en-US" smtClean="0"/>
               <a:pPr/>
-              <a:t>7/4/2021</a:t>
+              <a:t>7/5/2021</a:t>
             </a:fld>
             <a:endParaRPr lang="en-US" dirty="0"/>
           </a:p>
@@ -3267,7 +3270,7 @@
             <a:fld id="{B61BEF0D-F0BB-DE4B-95CE-6DB70DBA9567}" type="datetimeFigureOut">
               <a:rPr lang="en-US" smtClean="0"/>
               <a:pPr/>
-              <a:t>7/4/2021</a:t>
+              <a:t>7/5/2021</a:t>
             </a:fld>
             <a:endParaRPr lang="en-US" dirty="0"/>
           </a:p>
@@ -3592,7 +3595,7 @@
             <a:fld id="{B61BEF0D-F0BB-DE4B-95CE-6DB70DBA9567}" type="datetimeFigureOut">
               <a:rPr lang="en-US" smtClean="0"/>
               <a:pPr/>
-              <a:t>7/4/2021</a:t>
+              <a:t>7/5/2021</a:t>
             </a:fld>
             <a:endParaRPr lang="en-US" dirty="0"/>
           </a:p>
@@ -4051,7 +4054,7 @@
             <a:fld id="{B61BEF0D-F0BB-DE4B-95CE-6DB70DBA9567}" type="datetimeFigureOut">
               <a:rPr lang="en-US" smtClean="0"/>
               <a:pPr/>
-              <a:t>7/4/2021</a:t>
+              <a:t>7/5/2021</a:t>
             </a:fld>
             <a:endParaRPr lang="en-US" dirty="0"/>
           </a:p>
@@ -4258,7 +4261,7 @@
             <a:fld id="{B61BEF0D-F0BB-DE4B-95CE-6DB70DBA9567}" type="datetimeFigureOut">
               <a:rPr lang="en-US" smtClean="0"/>
               <a:pPr/>
-              <a:t>7/4/2021</a:t>
+              <a:t>7/5/2021</a:t>
             </a:fld>
             <a:endParaRPr lang="en-US" dirty="0"/>
           </a:p>
@@ -4437,7 +4440,7 @@
             <a:fld id="{B61BEF0D-F0BB-DE4B-95CE-6DB70DBA9567}" type="datetimeFigureOut">
               <a:rPr lang="en-US" smtClean="0"/>
               <a:pPr/>
-              <a:t>7/4/2021</a:t>
+              <a:t>7/5/2021</a:t>
             </a:fld>
             <a:endParaRPr lang="en-US" dirty="0"/>
           </a:p>
@@ -4772,7 +4775,7 @@
             <a:fld id="{B61BEF0D-F0BB-DE4B-95CE-6DB70DBA9567}" type="datetimeFigureOut">
               <a:rPr lang="en-US" smtClean="0"/>
               <a:pPr/>
-              <a:t>7/4/2021</a:t>
+              <a:t>7/5/2021</a:t>
             </a:fld>
             <a:endParaRPr lang="en-US" dirty="0"/>
           </a:p>
@@ -5119,7 +5122,7 @@
             <a:fld id="{B61BEF0D-F0BB-DE4B-95CE-6DB70DBA9567}" type="datetimeFigureOut">
               <a:rPr lang="en-US" smtClean="0"/>
               <a:pPr/>
-              <a:t>7/4/2021</a:t>
+              <a:t>7/5/2021</a:t>
             </a:fld>
             <a:endParaRPr lang="en-US" dirty="0"/>
           </a:p>
@@ -7238,7 +7241,7 @@
             <a:fld id="{B61BEF0D-F0BB-DE4B-95CE-6DB70DBA9567}" type="datetimeFigureOut">
               <a:rPr lang="en-US" smtClean="0"/>
               <a:pPr/>
-              <a:t>7/4/2021</a:t>
+              <a:t>7/5/2021</a:t>
             </a:fld>
             <a:endParaRPr lang="en-US" dirty="0"/>
           </a:p>
@@ -7861,7 +7864,13 @@
               <a:rPr lang="en-IN" dirty="0" smtClean="0">
                 <a:latin typeface="Poppins"/>
               </a:rPr>
-              <a:t>Arrays Operations</a:t>
+              <a:t>Arrays </a:t>
+            </a:r>
+            <a:r>
+              <a:rPr lang="en-IN" dirty="0" smtClean="0">
+                <a:latin typeface="Poppins"/>
+              </a:rPr>
+              <a:t>Types</a:t>
             </a:r>
             <a:endParaRPr lang="en-IN" dirty="0">
               <a:latin typeface="Poppins"/>
@@ -7941,6 +7950,589 @@
           <a:lstStyle/>
           <a:p>
             <a:r>
+              <a:rPr lang="en-IN" dirty="0" err="1" smtClean="0"/>
+              <a:t>Int</a:t>
+            </a:r>
+            <a:r>
+              <a:rPr lang="en-IN" dirty="0" smtClean="0"/>
+              <a:t> array</a:t>
+            </a:r>
+            <a:endParaRPr lang="en-IN" dirty="0"/>
+          </a:p>
+        </p:txBody>
+      </p:sp>
+      <p:pic>
+        <p:nvPicPr>
+          <p:cNvPr id="5" name="Picture 4"/>
+          <p:cNvPicPr>
+            <a:picLocks noChangeAspect="1"/>
+          </p:cNvPicPr>
+          <p:nvPr/>
+        </p:nvPicPr>
+        <p:blipFill>
+          <a:blip r:embed="rId2"/>
+          <a:stretch>
+            <a:fillRect/>
+          </a:stretch>
+        </p:blipFill>
+        <p:spPr>
+          <a:xfrm>
+            <a:off x="2589212" y="1905000"/>
+            <a:ext cx="8079229" cy="1769892"/>
+          </a:xfrm>
+          <a:prstGeom prst="rect">
+            <a:avLst/>
+          </a:prstGeom>
+        </p:spPr>
+      </p:pic>
+      <p:sp>
+        <p:nvSpPr>
+          <p:cNvPr id="6" name="TextBox 5"/>
+          <p:cNvSpPr txBox="1"/>
+          <p:nvPr/>
+        </p:nvSpPr>
+        <p:spPr>
+          <a:xfrm>
+            <a:off x="3288490" y="3189113"/>
+            <a:ext cx="7436223" cy="369332"/>
+          </a:xfrm>
+          <a:prstGeom prst="rect">
+            <a:avLst/>
+          </a:prstGeom>
+          <a:noFill/>
+        </p:spPr>
+        <p:txBody>
+          <a:bodyPr wrap="square" rtlCol="0">
+            <a:spAutoFit/>
+          </a:bodyPr>
+          <a:lstStyle/>
+          <a:p>
+            <a:r>
+              <a:rPr lang="en-IN" b="1" dirty="0" smtClean="0">
+                <a:solidFill>
+                  <a:srgbClr val="00B050"/>
+                </a:solidFill>
+              </a:rPr>
+              <a:t>0        1           2         3          4         5         6          7          8         9</a:t>
+            </a:r>
+            <a:endParaRPr lang="en-IN" b="1" dirty="0">
+              <a:solidFill>
+                <a:srgbClr val="00B050"/>
+              </a:solidFill>
+            </a:endParaRPr>
+          </a:p>
+        </p:txBody>
+      </p:sp>
+      <p:sp>
+        <p:nvSpPr>
+          <p:cNvPr id="7" name="Rectangle 6"/>
+          <p:cNvSpPr/>
+          <p:nvPr/>
+        </p:nvSpPr>
+        <p:spPr>
+          <a:xfrm>
+            <a:off x="2904889" y="4580948"/>
+            <a:ext cx="7447873" cy="523220"/>
+          </a:xfrm>
+          <a:prstGeom prst="rect">
+            <a:avLst/>
+          </a:prstGeom>
+        </p:spPr>
+        <p:txBody>
+          <a:bodyPr wrap="none">
+            <a:spAutoFit/>
+          </a:bodyPr>
+          <a:lstStyle/>
+          <a:p>
+            <a:pPr lvl="0" defTabSz="914400" eaLnBrk="0" fontAlgn="base" hangingPunct="0">
+              <a:spcBef>
+                <a:spcPct val="0"/>
+              </a:spcBef>
+              <a:spcAft>
+                <a:spcPct val="0"/>
+              </a:spcAft>
+            </a:pPr>
+            <a:r>
+              <a:rPr lang="en-US" sz="2800" b="1" dirty="0" err="1" smtClean="0"/>
+              <a:t>Int</a:t>
+            </a:r>
+            <a:r>
+              <a:rPr lang="en-US" sz="2800" b="1" dirty="0" smtClean="0"/>
+              <a:t> </a:t>
+            </a:r>
+            <a:r>
+              <a:rPr lang="en-US" sz="2800" b="1" dirty="0" err="1" smtClean="0"/>
+              <a:t>Num</a:t>
+            </a:r>
+            <a:r>
+              <a:rPr lang="en-US" sz="2800" b="1" dirty="0" smtClean="0"/>
+              <a:t>[ </a:t>
+            </a:r>
+            <a:r>
+              <a:rPr lang="en-US" sz="2800" b="1" dirty="0"/>
+              <a:t>] = { </a:t>
+            </a:r>
+            <a:r>
+              <a:rPr lang="en-US" sz="2800" b="1" dirty="0" smtClean="0"/>
+              <a:t>3, 16, -1, 0, 8, 7, 1, 55, -3, 1 }; </a:t>
+            </a:r>
+            <a:endParaRPr lang="en-US" sz="2800" b="1" dirty="0"/>
+          </a:p>
+        </p:txBody>
+      </p:sp>
+    </p:spTree>
+    <p:extLst>
+      <p:ext uri="{BB962C8B-B14F-4D97-AF65-F5344CB8AC3E}">
+        <p14:creationId xmlns:p14="http://schemas.microsoft.com/office/powerpoint/2010/main" val="3846539492"/>
+      </p:ext>
+    </p:extLst>
+  </p:cSld>
+  <p:clrMapOvr>
+    <a:masterClrMapping/>
+  </p:clrMapOvr>
+</p:sld>
+</file>
+
+<file path=ppt/slides/slide12.xml><?xml version="1.0" encoding="utf-8"?>
+<p:sld xmlns:a="http://schemas.openxmlformats.org/drawingml/2006/main" xmlns:r="http://schemas.openxmlformats.org/officeDocument/2006/relationships" xmlns:p="http://schemas.openxmlformats.org/presentationml/2006/main">
+  <p:cSld>
+    <p:spTree>
+      <p:nvGrpSpPr>
+        <p:cNvPr id="1" name=""/>
+        <p:cNvGrpSpPr/>
+        <p:nvPr/>
+      </p:nvGrpSpPr>
+      <p:grpSpPr>
+        <a:xfrm>
+          <a:off x="0" y="0"/>
+          <a:ext cx="0" cy="0"/>
+          <a:chOff x="0" y="0"/>
+          <a:chExt cx="0" cy="0"/>
+        </a:xfrm>
+      </p:grpSpPr>
+      <p:sp>
+        <p:nvSpPr>
+          <p:cNvPr id="2" name="Title 1"/>
+          <p:cNvSpPr>
+            <a:spLocks noGrp="1"/>
+          </p:cNvSpPr>
+          <p:nvPr>
+            <p:ph type="title"/>
+          </p:nvPr>
+        </p:nvSpPr>
+        <p:spPr/>
+        <p:txBody>
+          <a:bodyPr/>
+          <a:lstStyle/>
+          <a:p>
+            <a:r>
+              <a:rPr lang="en-IN" dirty="0" smtClean="0"/>
+              <a:t>Char array</a:t>
+            </a:r>
+            <a:endParaRPr lang="en-IN" dirty="0"/>
+          </a:p>
+        </p:txBody>
+      </p:sp>
+      <p:pic>
+        <p:nvPicPr>
+          <p:cNvPr id="4" name="Picture 3"/>
+          <p:cNvPicPr>
+            <a:picLocks noChangeAspect="1"/>
+          </p:cNvPicPr>
+          <p:nvPr/>
+        </p:nvPicPr>
+        <p:blipFill>
+          <a:blip r:embed="rId2"/>
+          <a:stretch>
+            <a:fillRect/>
+          </a:stretch>
+        </p:blipFill>
+        <p:spPr>
+          <a:xfrm>
+            <a:off x="2080697" y="1905000"/>
+            <a:ext cx="9423915" cy="2106309"/>
+          </a:xfrm>
+          <a:prstGeom prst="rect">
+            <a:avLst/>
+          </a:prstGeom>
+        </p:spPr>
+      </p:pic>
+      <p:sp>
+        <p:nvSpPr>
+          <p:cNvPr id="5" name="TextBox 4"/>
+          <p:cNvSpPr txBox="1"/>
+          <p:nvPr/>
+        </p:nvSpPr>
+        <p:spPr>
+          <a:xfrm>
+            <a:off x="3832411" y="3630707"/>
+            <a:ext cx="7436223" cy="369332"/>
+          </a:xfrm>
+          <a:prstGeom prst="rect">
+            <a:avLst/>
+          </a:prstGeom>
+          <a:noFill/>
+        </p:spPr>
+        <p:txBody>
+          <a:bodyPr wrap="square" rtlCol="0">
+            <a:spAutoFit/>
+          </a:bodyPr>
+          <a:lstStyle/>
+          <a:p>
+            <a:r>
+              <a:rPr lang="en-IN" b="1" dirty="0" smtClean="0">
+                <a:solidFill>
+                  <a:srgbClr val="00B050"/>
+                </a:solidFill>
+              </a:rPr>
+              <a:t>0        1        2       3        4       5        6        7       8       9       10        11</a:t>
+            </a:r>
+            <a:endParaRPr lang="en-IN" b="1" dirty="0">
+              <a:solidFill>
+                <a:srgbClr val="00B050"/>
+              </a:solidFill>
+            </a:endParaRPr>
+          </a:p>
+        </p:txBody>
+      </p:sp>
+      <p:sp>
+        <p:nvSpPr>
+          <p:cNvPr id="8" name="Rectangle 1"/>
+          <p:cNvSpPr>
+            <a:spLocks noChangeArrowheads="1"/>
+          </p:cNvSpPr>
+          <p:nvPr/>
+        </p:nvSpPr>
+        <p:spPr bwMode="auto">
+          <a:xfrm>
+            <a:off x="3278185" y="4707424"/>
+            <a:ext cx="8117058" cy="584775"/>
+          </a:xfrm>
+          <a:prstGeom prst="rect">
+            <a:avLst/>
+          </a:prstGeom>
+          <a:noFill/>
+          <a:ln>
+            <a:noFill/>
+          </a:ln>
+          <a:effectLst/>
+          <a:extLst>
+            <a:ext uri="{909E8E84-426E-40DD-AFC4-6F175D3DCCD1}">
+              <a14:hiddenFill xmlns:a14="http://schemas.microsoft.com/office/drawing/2010/main">
+                <a:solidFill>
+                  <a:schemeClr val="accent1"/>
+                </a:solidFill>
+              </a14:hiddenFill>
+            </a:ext>
+            <a:ext uri="{91240B29-F687-4F45-9708-019B960494DF}">
+              <a14:hiddenLine xmlns:a14="http://schemas.microsoft.com/office/drawing/2010/main" w="9525">
+                <a:solidFill>
+                  <a:schemeClr val="tx1"/>
+                </a:solidFill>
+                <a:miter lim="800000"/>
+                <a:headEnd/>
+                <a:tailEnd/>
+              </a14:hiddenLine>
+            </a:ext>
+            <a:ext uri="{AF507438-7753-43E0-B8FC-AC1667EBCBE1}">
+              <a14:hiddenEffects xmlns:a14="http://schemas.microsoft.com/office/drawing/2010/main">
+                <a:effectLst>
+                  <a:outerShdw dist="35921" dir="2700000" algn="ctr" rotWithShape="0">
+                    <a:schemeClr val="bg2"/>
+                  </a:outerShdw>
+                </a:effectLst>
+              </a14:hiddenEffects>
+            </a:ext>
+          </a:extLst>
+        </p:spPr>
+        <p:txBody>
+          <a:bodyPr vert="horz" wrap="square" lIns="91440" tIns="45720" rIns="91440" bIns="45720" numCol="1" anchor="ctr" anchorCtr="0" compatLnSpc="1">
+            <a:prstTxWarp prst="textNoShape">
+              <a:avLst/>
+            </a:prstTxWarp>
+            <a:spAutoFit/>
+          </a:bodyPr>
+          <a:lstStyle/>
+          <a:p>
+            <a:pPr marL="0" marR="0" lvl="0" indent="0" algn="l" defTabSz="914400" rtl="0" eaLnBrk="0" fontAlgn="base" latinLnBrk="0" hangingPunct="0">
+              <a:lnSpc>
+                <a:spcPct val="100000"/>
+              </a:lnSpc>
+              <a:spcBef>
+                <a:spcPct val="0"/>
+              </a:spcBef>
+              <a:spcAft>
+                <a:spcPct val="0"/>
+              </a:spcAft>
+              <a:buClrTx/>
+              <a:buSzTx/>
+              <a:buFontTx/>
+              <a:buNone/>
+              <a:tabLst/>
+            </a:pPr>
+            <a:r>
+              <a:rPr kumimoji="0" lang="en-US" sz="3200" b="1" i="1" u="none" strike="noStrike" cap="none" normalizeH="0" baseline="0" dirty="0" smtClean="0">
+                <a:ln>
+                  <a:noFill/>
+                </a:ln>
+                <a:solidFill>
+                  <a:schemeClr val="tx1"/>
+                </a:solidFill>
+                <a:effectLst/>
+                <a:latin typeface="+mj-lt"/>
+              </a:rPr>
+              <a:t>char</a:t>
+            </a:r>
+            <a:r>
+              <a:rPr kumimoji="0" lang="en-US" sz="3200" b="1" i="0" u="none" strike="noStrike" cap="none" normalizeH="0" baseline="0" dirty="0" smtClean="0">
+                <a:ln>
+                  <a:noFill/>
+                </a:ln>
+                <a:solidFill>
+                  <a:schemeClr val="tx1"/>
+                </a:solidFill>
+                <a:effectLst/>
+                <a:latin typeface="+mj-lt"/>
+              </a:rPr>
+              <a:t> text[ ] = { 'H', 'e', 'l', 'l', 'o', '\0' }; </a:t>
+            </a:r>
+          </a:p>
+        </p:txBody>
+      </p:sp>
+      <p:sp>
+        <p:nvSpPr>
+          <p:cNvPr id="9" name="Rectangle 1"/>
+          <p:cNvSpPr>
+            <a:spLocks noChangeArrowheads="1"/>
+          </p:cNvSpPr>
+          <p:nvPr/>
+        </p:nvSpPr>
+        <p:spPr bwMode="auto">
+          <a:xfrm>
+            <a:off x="3278185" y="5593689"/>
+            <a:ext cx="8117058" cy="584775"/>
+          </a:xfrm>
+          <a:prstGeom prst="rect">
+            <a:avLst/>
+          </a:prstGeom>
+          <a:noFill/>
+          <a:ln>
+            <a:noFill/>
+          </a:ln>
+          <a:effectLst/>
+          <a:extLst>
+            <a:ext uri="{909E8E84-426E-40DD-AFC4-6F175D3DCCD1}">
+              <a14:hiddenFill xmlns:a14="http://schemas.microsoft.com/office/drawing/2010/main">
+                <a:solidFill>
+                  <a:schemeClr val="accent1"/>
+                </a:solidFill>
+              </a14:hiddenFill>
+            </a:ext>
+            <a:ext uri="{91240B29-F687-4F45-9708-019B960494DF}">
+              <a14:hiddenLine xmlns:a14="http://schemas.microsoft.com/office/drawing/2010/main" w="9525">
+                <a:solidFill>
+                  <a:schemeClr val="tx1"/>
+                </a:solidFill>
+                <a:miter lim="800000"/>
+                <a:headEnd/>
+                <a:tailEnd/>
+              </a14:hiddenLine>
+            </a:ext>
+            <a:ext uri="{AF507438-7753-43E0-B8FC-AC1667EBCBE1}">
+              <a14:hiddenEffects xmlns:a14="http://schemas.microsoft.com/office/drawing/2010/main">
+                <a:effectLst>
+                  <a:outerShdw dist="35921" dir="2700000" algn="ctr" rotWithShape="0">
+                    <a:schemeClr val="bg2"/>
+                  </a:outerShdw>
+                </a:effectLst>
+              </a14:hiddenEffects>
+            </a:ext>
+          </a:extLst>
+        </p:spPr>
+        <p:txBody>
+          <a:bodyPr vert="horz" wrap="square" lIns="91440" tIns="45720" rIns="91440" bIns="45720" numCol="1" anchor="ctr" anchorCtr="0" compatLnSpc="1">
+            <a:prstTxWarp prst="textNoShape">
+              <a:avLst/>
+            </a:prstTxWarp>
+            <a:spAutoFit/>
+          </a:bodyPr>
+          <a:lstStyle/>
+          <a:p>
+            <a:pPr marL="0" marR="0" lvl="0" indent="0" algn="l" defTabSz="914400" rtl="0" eaLnBrk="0" fontAlgn="base" latinLnBrk="0" hangingPunct="0">
+              <a:lnSpc>
+                <a:spcPct val="100000"/>
+              </a:lnSpc>
+              <a:spcBef>
+                <a:spcPct val="0"/>
+              </a:spcBef>
+              <a:spcAft>
+                <a:spcPct val="0"/>
+              </a:spcAft>
+              <a:buClrTx/>
+              <a:buSzTx/>
+              <a:buFontTx/>
+              <a:buNone/>
+              <a:tabLst/>
+            </a:pPr>
+            <a:r>
+              <a:rPr kumimoji="0" lang="en-US" sz="3200" b="1" i="1" u="none" strike="noStrike" cap="none" normalizeH="0" baseline="0" dirty="0" smtClean="0">
+                <a:ln>
+                  <a:noFill/>
+                </a:ln>
+                <a:solidFill>
+                  <a:schemeClr val="tx1"/>
+                </a:solidFill>
+                <a:effectLst/>
+                <a:latin typeface="+mj-lt"/>
+              </a:rPr>
+              <a:t>char</a:t>
+            </a:r>
+            <a:r>
+              <a:rPr kumimoji="0" lang="en-US" sz="3200" b="1" i="0" u="none" strike="noStrike" cap="none" normalizeH="0" baseline="0" dirty="0" smtClean="0">
+                <a:ln>
+                  <a:noFill/>
+                </a:ln>
+                <a:solidFill>
+                  <a:schemeClr val="tx1"/>
+                </a:solidFill>
+                <a:effectLst/>
+                <a:latin typeface="+mj-lt"/>
+              </a:rPr>
+              <a:t> text[ ] = “ Hello ” ; </a:t>
+            </a:r>
+          </a:p>
+        </p:txBody>
+      </p:sp>
+    </p:spTree>
+    <p:extLst>
+      <p:ext uri="{BB962C8B-B14F-4D97-AF65-F5344CB8AC3E}">
+        <p14:creationId xmlns:p14="http://schemas.microsoft.com/office/powerpoint/2010/main" val="3920816328"/>
+      </p:ext>
+    </p:extLst>
+  </p:cSld>
+  <p:clrMapOvr>
+    <a:masterClrMapping/>
+  </p:clrMapOvr>
+</p:sld>
+</file>
+
+<file path=ppt/slides/slide13.xml><?xml version="1.0" encoding="utf-8"?>
+<p:sld xmlns:a="http://schemas.openxmlformats.org/drawingml/2006/main" xmlns:r="http://schemas.openxmlformats.org/officeDocument/2006/relationships" xmlns:p="http://schemas.openxmlformats.org/presentationml/2006/main">
+  <p:cSld>
+    <p:spTree>
+      <p:nvGrpSpPr>
+        <p:cNvPr id="1" name=""/>
+        <p:cNvGrpSpPr/>
+        <p:nvPr/>
+      </p:nvGrpSpPr>
+      <p:grpSpPr>
+        <a:xfrm>
+          <a:off x="0" y="0"/>
+          <a:ext cx="0" cy="0"/>
+          <a:chOff x="0" y="0"/>
+          <a:chExt cx="0" cy="0"/>
+        </a:xfrm>
+      </p:grpSpPr>
+      <p:sp>
+        <p:nvSpPr>
+          <p:cNvPr id="2" name="Title 1"/>
+          <p:cNvSpPr>
+            <a:spLocks noGrp="1"/>
+          </p:cNvSpPr>
+          <p:nvPr>
+            <p:ph type="ctrTitle"/>
+          </p:nvPr>
+        </p:nvSpPr>
+        <p:spPr/>
+        <p:txBody>
+          <a:bodyPr/>
+          <a:lstStyle/>
+          <a:p>
+            <a:pPr algn="ctr"/>
+            <a:r>
+              <a:rPr lang="en-IN" dirty="0" smtClean="0">
+                <a:latin typeface="Poppins"/>
+              </a:rPr>
+              <a:t>Arrays Operations</a:t>
+            </a:r>
+            <a:endParaRPr lang="en-IN" dirty="0">
+              <a:latin typeface="Poppins"/>
+            </a:endParaRPr>
+          </a:p>
+        </p:txBody>
+      </p:sp>
+      <p:sp>
+        <p:nvSpPr>
+          <p:cNvPr id="3" name="Subtitle 2"/>
+          <p:cNvSpPr>
+            <a:spLocks noGrp="1"/>
+          </p:cNvSpPr>
+          <p:nvPr>
+            <p:ph type="subTitle" idx="1"/>
+          </p:nvPr>
+        </p:nvSpPr>
+        <p:spPr/>
+        <p:txBody>
+          <a:bodyPr/>
+          <a:lstStyle/>
+          <a:p>
+            <a:endParaRPr lang="en-IN" dirty="0"/>
+          </a:p>
+        </p:txBody>
+      </p:sp>
+    </p:spTree>
+    <p:extLst>
+      <p:ext uri="{BB962C8B-B14F-4D97-AF65-F5344CB8AC3E}">
+        <p14:creationId xmlns:p14="http://schemas.microsoft.com/office/powerpoint/2010/main" val="3571350112"/>
+      </p:ext>
+    </p:extLst>
+  </p:cSld>
+  <p:clrMapOvr>
+    <a:masterClrMapping/>
+  </p:clrMapOvr>
+  <p:timing>
+    <p:tnLst>
+      <p:par>
+        <p:cTn id="1" dur="indefinite" restart="never" nodeType="tmRoot"/>
+      </p:par>
+    </p:tnLst>
+  </p:timing>
+</p:sld>
+</file>
+
+<file path=ppt/slides/slide14.xml><?xml version="1.0" encoding="utf-8"?>
+<p:sld xmlns:a="http://schemas.openxmlformats.org/drawingml/2006/main" xmlns:r="http://schemas.openxmlformats.org/officeDocument/2006/relationships" xmlns:p="http://schemas.openxmlformats.org/presentationml/2006/main">
+  <p:cSld>
+    <p:spTree>
+      <p:nvGrpSpPr>
+        <p:cNvPr id="1" name=""/>
+        <p:cNvGrpSpPr/>
+        <p:nvPr/>
+      </p:nvGrpSpPr>
+      <p:grpSpPr>
+        <a:xfrm>
+          <a:off x="0" y="0"/>
+          <a:ext cx="0" cy="0"/>
+          <a:chOff x="0" y="0"/>
+          <a:chExt cx="0" cy="0"/>
+        </a:xfrm>
+      </p:grpSpPr>
+      <p:sp>
+        <p:nvSpPr>
+          <p:cNvPr id="2" name="Title 1"/>
+          <p:cNvSpPr>
+            <a:spLocks noGrp="1"/>
+          </p:cNvSpPr>
+          <p:nvPr>
+            <p:ph type="title"/>
+          </p:nvPr>
+        </p:nvSpPr>
+        <p:spPr/>
+        <p:txBody>
+          <a:bodyPr/>
+          <a:lstStyle/>
+          <a:p>
+            <a:r>
               <a:rPr lang="en-IN" dirty="0">
                 <a:latin typeface="Poppins"/>
               </a:rPr>
@@ -8161,7 +8753,7 @@
 </p:sld>
 </file>
 
-<file path=ppt/slides/slide12.xml><?xml version="1.0" encoding="utf-8"?>
+<file path=ppt/slides/slide15.xml><?xml version="1.0" encoding="utf-8"?>
 <p:sld xmlns:a="http://schemas.openxmlformats.org/drawingml/2006/main" xmlns:r="http://schemas.openxmlformats.org/officeDocument/2006/relationships" xmlns:p="http://schemas.openxmlformats.org/presentationml/2006/main">
   <p:cSld>
     <p:spTree>
@@ -8561,7 +9153,7 @@
 </p:sld>
 </file>
 
-<file path=ppt/slides/slide13.xml><?xml version="1.0" encoding="utf-8"?>
+<file path=ppt/slides/slide16.xml><?xml version="1.0" encoding="utf-8"?>
 <p:sld xmlns:a="http://schemas.openxmlformats.org/drawingml/2006/main" xmlns:r="http://schemas.openxmlformats.org/officeDocument/2006/relationships" xmlns:p="http://schemas.openxmlformats.org/presentationml/2006/main">
   <p:cSld>
     <p:spTree>
@@ -8636,7 +9228,7 @@
 </p:sld>
 </file>
 
-<file path=ppt/slides/slide14.xml><?xml version="1.0" encoding="utf-8"?>
+<file path=ppt/slides/slide17.xml><?xml version="1.0" encoding="utf-8"?>
 <p:sld xmlns:a="http://schemas.openxmlformats.org/drawingml/2006/main" xmlns:r="http://schemas.openxmlformats.org/officeDocument/2006/relationships" xmlns:p="http://schemas.openxmlformats.org/presentationml/2006/main">
   <p:cSld>
     <p:spTree>
@@ -8958,7 +9550,7 @@
 </p:sld>
 </file>
 
-<file path=ppt/slides/slide15.xml><?xml version="1.0" encoding="utf-8"?>
+<file path=ppt/slides/slide18.xml><?xml version="1.0" encoding="utf-8"?>
 <p:sld xmlns:a="http://schemas.openxmlformats.org/drawingml/2006/main" xmlns:r="http://schemas.openxmlformats.org/officeDocument/2006/relationships" xmlns:p="http://schemas.openxmlformats.org/presentationml/2006/main">
   <p:cSld>
     <p:spTree>
@@ -10561,7 +11153,7 @@
 </p:sld>
 </file>
 
-<file path=ppt/slides/slide16.xml><?xml version="1.0" encoding="utf-8"?>
+<file path=ppt/slides/slide19.xml><?xml version="1.0" encoding="utf-8"?>
 <p:sld xmlns:a="http://schemas.openxmlformats.org/drawingml/2006/main" xmlns:r="http://schemas.openxmlformats.org/officeDocument/2006/relationships" xmlns:p="http://schemas.openxmlformats.org/presentationml/2006/main">
   <p:cSld>
     <p:spTree>
@@ -11943,7 +12535,349 @@
 </p:sld>
 </file>
 
-<file path=ppt/slides/slide17.xml><?xml version="1.0" encoding="utf-8"?>
+<file path=ppt/slides/slide2.xml><?xml version="1.0" encoding="utf-8"?>
+<p:sld xmlns:a="http://schemas.openxmlformats.org/drawingml/2006/main" xmlns:r="http://schemas.openxmlformats.org/officeDocument/2006/relationships" xmlns:p="http://schemas.openxmlformats.org/presentationml/2006/main">
+  <p:cSld>
+    <p:spTree>
+      <p:nvGrpSpPr>
+        <p:cNvPr id="1" name=""/>
+        <p:cNvGrpSpPr/>
+        <p:nvPr/>
+      </p:nvGrpSpPr>
+      <p:grpSpPr>
+        <a:xfrm>
+          <a:off x="0" y="0"/>
+          <a:ext cx="0" cy="0"/>
+          <a:chOff x="0" y="0"/>
+          <a:chExt cx="0" cy="0"/>
+        </a:xfrm>
+      </p:grpSpPr>
+      <p:sp>
+        <p:nvSpPr>
+          <p:cNvPr id="2" name="Title 1"/>
+          <p:cNvSpPr>
+            <a:spLocks noGrp="1"/>
+          </p:cNvSpPr>
+          <p:nvPr>
+            <p:ph type="title"/>
+          </p:nvPr>
+        </p:nvSpPr>
+        <p:spPr>
+          <a:xfrm>
+            <a:off x="2592925" y="955342"/>
+            <a:ext cx="8911687" cy="949657"/>
+          </a:xfrm>
+        </p:spPr>
+        <p:txBody>
+          <a:bodyPr/>
+          <a:lstStyle/>
+          <a:p>
+            <a:r>
+              <a:rPr lang="en-IN" dirty="0" smtClean="0"/>
+              <a:t>Arrays	</a:t>
+            </a:r>
+            <a:endParaRPr lang="en-IN" dirty="0"/>
+          </a:p>
+        </p:txBody>
+      </p:sp>
+      <p:sp>
+        <p:nvSpPr>
+          <p:cNvPr id="3" name="Content Placeholder 2"/>
+          <p:cNvSpPr>
+            <a:spLocks noGrp="1"/>
+          </p:cNvSpPr>
+          <p:nvPr>
+            <p:ph idx="1"/>
+          </p:nvPr>
+        </p:nvSpPr>
+        <p:spPr/>
+        <p:txBody>
+          <a:bodyPr>
+            <a:normAutofit/>
+          </a:bodyPr>
+          <a:lstStyle/>
+          <a:p>
+            <a:r>
+              <a:rPr lang="en-IN" sz="2000" b="1" dirty="0" smtClean="0">
+                <a:solidFill>
+                  <a:schemeClr val="tx1">
+                    <a:lumMod val="85000"/>
+                    <a:lumOff val="15000"/>
+                  </a:schemeClr>
+                </a:solidFill>
+              </a:rPr>
+              <a:t>an array is a </a:t>
+            </a:r>
+            <a:r>
+              <a:rPr lang="en-IN" sz="2000" b="1" dirty="0" smtClean="0">
+                <a:solidFill>
+                  <a:srgbClr val="FF0000"/>
+                </a:solidFill>
+              </a:rPr>
+              <a:t>sequence of variable </a:t>
+            </a:r>
+            <a:r>
+              <a:rPr lang="en-IN" sz="2000" b="1" dirty="0" smtClean="0">
+                <a:solidFill>
+                  <a:schemeClr val="tx1">
+                    <a:lumMod val="85000"/>
+                    <a:lumOff val="15000"/>
+                  </a:schemeClr>
+                </a:solidFill>
+              </a:rPr>
+              <a:t>that can </a:t>
+            </a:r>
+            <a:r>
+              <a:rPr lang="en-IN" sz="2000" b="1" dirty="0" smtClean="0">
+                <a:solidFill>
+                  <a:srgbClr val="FF0000"/>
+                </a:solidFill>
+              </a:rPr>
+              <a:t>store</a:t>
+            </a:r>
+            <a:r>
+              <a:rPr lang="en-IN" sz="2000" b="1" dirty="0" smtClean="0">
+                <a:solidFill>
+                  <a:schemeClr val="tx1">
+                    <a:lumMod val="85000"/>
+                    <a:lumOff val="15000"/>
+                  </a:schemeClr>
+                </a:solidFill>
+              </a:rPr>
+              <a:t> value of </a:t>
+            </a:r>
+            <a:r>
+              <a:rPr lang="en-IN" sz="2000" b="1" dirty="0" smtClean="0">
+                <a:solidFill>
+                  <a:srgbClr val="FF0000"/>
+                </a:solidFill>
+              </a:rPr>
+              <a:t>one</a:t>
+            </a:r>
+            <a:r>
+              <a:rPr lang="en-IN" sz="2000" b="1" dirty="0" smtClean="0">
+                <a:solidFill>
+                  <a:schemeClr val="tx1">
+                    <a:lumMod val="85000"/>
+                    <a:lumOff val="15000"/>
+                  </a:schemeClr>
+                </a:solidFill>
+              </a:rPr>
+              <a:t> </a:t>
+            </a:r>
+            <a:r>
+              <a:rPr lang="en-IN" sz="2000" b="1" dirty="0" smtClean="0">
+                <a:solidFill>
+                  <a:srgbClr val="FF0000"/>
+                </a:solidFill>
+              </a:rPr>
+              <a:t>particular</a:t>
+            </a:r>
+            <a:r>
+              <a:rPr lang="en-IN" sz="2000" b="1" dirty="0" smtClean="0">
+                <a:solidFill>
+                  <a:schemeClr val="tx1">
+                    <a:lumMod val="85000"/>
+                    <a:lumOff val="15000"/>
+                  </a:schemeClr>
+                </a:solidFill>
+              </a:rPr>
+              <a:t>  </a:t>
+            </a:r>
+            <a:r>
+              <a:rPr lang="en-IN" sz="2000" b="1" dirty="0" smtClean="0">
+                <a:solidFill>
+                  <a:srgbClr val="FF0000"/>
+                </a:solidFill>
+              </a:rPr>
+              <a:t>data type</a:t>
+            </a:r>
+          </a:p>
+          <a:p>
+            <a:endParaRPr lang="en-IN" sz="2000" b="1" dirty="0" smtClean="0">
+              <a:solidFill>
+                <a:schemeClr val="tx1">
+                  <a:lumMod val="85000"/>
+                  <a:lumOff val="15000"/>
+                </a:schemeClr>
+              </a:solidFill>
+            </a:endParaRPr>
+          </a:p>
+          <a:p>
+            <a:r>
+              <a:rPr lang="en-IN" sz="2000" b="1" dirty="0" err="1" smtClean="0">
+                <a:solidFill>
+                  <a:schemeClr val="tx1">
+                    <a:lumMod val="85000"/>
+                    <a:lumOff val="15000"/>
+                  </a:schemeClr>
+                </a:solidFill>
+              </a:rPr>
+              <a:t>Eg</a:t>
+            </a:r>
+            <a:r>
+              <a:rPr lang="en-IN" sz="2000" b="1" dirty="0" smtClean="0">
+                <a:solidFill>
+                  <a:schemeClr val="tx1">
+                    <a:lumMod val="85000"/>
+                    <a:lumOff val="15000"/>
+                  </a:schemeClr>
+                </a:solidFill>
+              </a:rPr>
+              <a:t>.  	</a:t>
+            </a:r>
+            <a:r>
+              <a:rPr lang="en-IN" sz="2000" b="1" dirty="0" err="1" smtClean="0">
+                <a:solidFill>
+                  <a:srgbClr val="FF0000"/>
+                </a:solidFill>
+              </a:rPr>
+              <a:t>int</a:t>
+            </a:r>
+            <a:r>
+              <a:rPr lang="en-IN" sz="2000" b="1" dirty="0" smtClean="0">
+                <a:solidFill>
+                  <a:schemeClr val="tx1">
+                    <a:lumMod val="85000"/>
+                    <a:lumOff val="15000"/>
+                  </a:schemeClr>
+                </a:solidFill>
+              </a:rPr>
+              <a:t> Num [1, 2, 5, 6]</a:t>
+            </a:r>
+          </a:p>
+          <a:p>
+            <a:pPr>
+              <a:buNone/>
+            </a:pPr>
+            <a:r>
+              <a:rPr lang="en-IN" sz="2000" b="1" dirty="0" smtClean="0">
+                <a:solidFill>
+                  <a:schemeClr val="tx1">
+                    <a:lumMod val="85000"/>
+                    <a:lumOff val="15000"/>
+                  </a:schemeClr>
+                </a:solidFill>
+              </a:rPr>
+              <a:t>			</a:t>
+            </a:r>
+            <a:r>
+              <a:rPr lang="en-IN" sz="2000" b="1" dirty="0" smtClean="0">
+                <a:solidFill>
+                  <a:srgbClr val="FF0000"/>
+                </a:solidFill>
+              </a:rPr>
+              <a:t>char</a:t>
+            </a:r>
+            <a:r>
+              <a:rPr lang="en-IN" sz="2000" b="1" dirty="0" smtClean="0">
+                <a:solidFill>
+                  <a:schemeClr val="tx1">
+                    <a:lumMod val="85000"/>
+                    <a:lumOff val="15000"/>
+                  </a:schemeClr>
+                </a:solidFill>
+              </a:rPr>
+              <a:t> Name [ “</a:t>
+            </a:r>
+            <a:r>
+              <a:rPr lang="en-IN" sz="2000" b="1" dirty="0" err="1" smtClean="0">
+                <a:solidFill>
+                  <a:schemeClr val="tx1">
+                    <a:lumMod val="85000"/>
+                    <a:lumOff val="15000"/>
+                  </a:schemeClr>
+                </a:solidFill>
+              </a:rPr>
+              <a:t>Arjun</a:t>
+            </a:r>
+            <a:r>
+              <a:rPr lang="en-IN" sz="2000" b="1" dirty="0" smtClean="0">
+                <a:solidFill>
+                  <a:schemeClr val="tx1">
+                    <a:lumMod val="85000"/>
+                    <a:lumOff val="15000"/>
+                  </a:schemeClr>
+                </a:solidFill>
+              </a:rPr>
+              <a:t>” , “</a:t>
+            </a:r>
+            <a:r>
+              <a:rPr lang="en-IN" sz="2000" b="1" dirty="0" err="1" smtClean="0">
+                <a:solidFill>
+                  <a:schemeClr val="tx1">
+                    <a:lumMod val="85000"/>
+                    <a:lumOff val="15000"/>
+                  </a:schemeClr>
+                </a:solidFill>
+              </a:rPr>
+              <a:t>Appu</a:t>
+            </a:r>
+            <a:r>
+              <a:rPr lang="en-IN" sz="2000" b="1" dirty="0" smtClean="0">
+                <a:solidFill>
+                  <a:schemeClr val="tx1">
+                    <a:lumMod val="85000"/>
+                    <a:lumOff val="15000"/>
+                  </a:schemeClr>
+                </a:solidFill>
+              </a:rPr>
+              <a:t>” , “</a:t>
+            </a:r>
+            <a:r>
+              <a:rPr lang="en-IN" sz="2000" b="1" dirty="0" err="1" smtClean="0">
+                <a:solidFill>
+                  <a:schemeClr val="tx1">
+                    <a:lumMod val="85000"/>
+                    <a:lumOff val="15000"/>
+                  </a:schemeClr>
+                </a:solidFill>
+              </a:rPr>
+              <a:t>vishnu</a:t>
+            </a:r>
+            <a:r>
+              <a:rPr lang="en-IN" sz="2000" b="1" dirty="0" smtClean="0">
+                <a:solidFill>
+                  <a:schemeClr val="tx1">
+                    <a:lumMod val="85000"/>
+                    <a:lumOff val="15000"/>
+                  </a:schemeClr>
+                </a:solidFill>
+              </a:rPr>
+              <a:t>” ]</a:t>
+            </a:r>
+            <a:endParaRPr lang="en-IN" b="1" dirty="0">
+              <a:solidFill>
+                <a:schemeClr val="tx1">
+                  <a:lumMod val="85000"/>
+                  <a:lumOff val="15000"/>
+                </a:schemeClr>
+              </a:solidFill>
+            </a:endParaRPr>
+          </a:p>
+        </p:txBody>
+      </p:sp>
+    </p:spTree>
+    <p:extLst>
+      <p:ext uri="{BB962C8B-B14F-4D97-AF65-F5344CB8AC3E}">
+        <p14:creationId xmlns:p14="http://schemas.microsoft.com/office/powerpoint/2010/main" val="1056927180"/>
+      </p:ext>
+    </p:extLst>
+  </p:cSld>
+  <p:clrMapOvr>
+    <a:masterClrMapping/>
+  </p:clrMapOvr>
+  <p:timing>
+    <p:tnLst>
+      <p:par>
+        <p:cTn id="1" dur="indefinite" restart="never" nodeType="tmRoot"/>
+      </p:par>
+    </p:tnLst>
+  </p:timing>
+</p:sld>
+</file>
+
+<file path=ppt/slides/slide20.xml><?xml version="1.0" encoding="utf-8"?>
 <p:sld xmlns:a="http://schemas.openxmlformats.org/drawingml/2006/main" xmlns:r="http://schemas.openxmlformats.org/officeDocument/2006/relationships" xmlns:p="http://schemas.openxmlformats.org/presentationml/2006/main">
   <p:cSld>
     <p:spTree>
@@ -13491,7 +14425,7 @@
 </p:sld>
 </file>
 
-<file path=ppt/slides/slide18.xml><?xml version="1.0" encoding="utf-8"?>
+<file path=ppt/slides/slide21.xml><?xml version="1.0" encoding="utf-8"?>
 <p:sld xmlns:a="http://schemas.openxmlformats.org/drawingml/2006/main" xmlns:r="http://schemas.openxmlformats.org/officeDocument/2006/relationships" xmlns:p="http://schemas.openxmlformats.org/presentationml/2006/main">
   <p:cSld>
     <p:spTree>
@@ -13617,7 +14551,7 @@
 </p:sld>
 </file>
 
-<file path=ppt/slides/slide19.xml><?xml version="1.0" encoding="utf-8"?>
+<file path=ppt/slides/slide22.xml><?xml version="1.0" encoding="utf-8"?>
 <p:sld xmlns:a="http://schemas.openxmlformats.org/drawingml/2006/main" xmlns:r="http://schemas.openxmlformats.org/officeDocument/2006/relationships" xmlns:p="http://schemas.openxmlformats.org/presentationml/2006/main">
   <p:cSld>
     <p:spTree>
@@ -13762,349 +14696,7 @@
 </p:sld>
 </file>
 
-<file path=ppt/slides/slide2.xml><?xml version="1.0" encoding="utf-8"?>
-<p:sld xmlns:a="http://schemas.openxmlformats.org/drawingml/2006/main" xmlns:r="http://schemas.openxmlformats.org/officeDocument/2006/relationships" xmlns:p="http://schemas.openxmlformats.org/presentationml/2006/main">
-  <p:cSld>
-    <p:spTree>
-      <p:nvGrpSpPr>
-        <p:cNvPr id="1" name=""/>
-        <p:cNvGrpSpPr/>
-        <p:nvPr/>
-      </p:nvGrpSpPr>
-      <p:grpSpPr>
-        <a:xfrm>
-          <a:off x="0" y="0"/>
-          <a:ext cx="0" cy="0"/>
-          <a:chOff x="0" y="0"/>
-          <a:chExt cx="0" cy="0"/>
-        </a:xfrm>
-      </p:grpSpPr>
-      <p:sp>
-        <p:nvSpPr>
-          <p:cNvPr id="2" name="Title 1"/>
-          <p:cNvSpPr>
-            <a:spLocks noGrp="1"/>
-          </p:cNvSpPr>
-          <p:nvPr>
-            <p:ph type="title"/>
-          </p:nvPr>
-        </p:nvSpPr>
-        <p:spPr>
-          <a:xfrm>
-            <a:off x="2592925" y="955342"/>
-            <a:ext cx="8911687" cy="949657"/>
-          </a:xfrm>
-        </p:spPr>
-        <p:txBody>
-          <a:bodyPr/>
-          <a:lstStyle/>
-          <a:p>
-            <a:r>
-              <a:rPr lang="en-IN" dirty="0" smtClean="0"/>
-              <a:t>Arrays	</a:t>
-            </a:r>
-            <a:endParaRPr lang="en-IN" dirty="0"/>
-          </a:p>
-        </p:txBody>
-      </p:sp>
-      <p:sp>
-        <p:nvSpPr>
-          <p:cNvPr id="3" name="Content Placeholder 2"/>
-          <p:cNvSpPr>
-            <a:spLocks noGrp="1"/>
-          </p:cNvSpPr>
-          <p:nvPr>
-            <p:ph idx="1"/>
-          </p:nvPr>
-        </p:nvSpPr>
-        <p:spPr/>
-        <p:txBody>
-          <a:bodyPr>
-            <a:normAutofit/>
-          </a:bodyPr>
-          <a:lstStyle/>
-          <a:p>
-            <a:r>
-              <a:rPr lang="en-IN" sz="2000" b="1" dirty="0" smtClean="0">
-                <a:solidFill>
-                  <a:schemeClr val="tx1">
-                    <a:lumMod val="85000"/>
-                    <a:lumOff val="15000"/>
-                  </a:schemeClr>
-                </a:solidFill>
-              </a:rPr>
-              <a:t>an array is a </a:t>
-            </a:r>
-            <a:r>
-              <a:rPr lang="en-IN" sz="2000" b="1" dirty="0" smtClean="0">
-                <a:solidFill>
-                  <a:srgbClr val="FF0000"/>
-                </a:solidFill>
-              </a:rPr>
-              <a:t>sequence of variable </a:t>
-            </a:r>
-            <a:r>
-              <a:rPr lang="en-IN" sz="2000" b="1" dirty="0" smtClean="0">
-                <a:solidFill>
-                  <a:schemeClr val="tx1">
-                    <a:lumMod val="85000"/>
-                    <a:lumOff val="15000"/>
-                  </a:schemeClr>
-                </a:solidFill>
-              </a:rPr>
-              <a:t>that can </a:t>
-            </a:r>
-            <a:r>
-              <a:rPr lang="en-IN" sz="2000" b="1" dirty="0" smtClean="0">
-                <a:solidFill>
-                  <a:srgbClr val="FF0000"/>
-                </a:solidFill>
-              </a:rPr>
-              <a:t>store</a:t>
-            </a:r>
-            <a:r>
-              <a:rPr lang="en-IN" sz="2000" b="1" dirty="0" smtClean="0">
-                <a:solidFill>
-                  <a:schemeClr val="tx1">
-                    <a:lumMod val="85000"/>
-                    <a:lumOff val="15000"/>
-                  </a:schemeClr>
-                </a:solidFill>
-              </a:rPr>
-              <a:t> value of </a:t>
-            </a:r>
-            <a:r>
-              <a:rPr lang="en-IN" sz="2000" b="1" dirty="0" smtClean="0">
-                <a:solidFill>
-                  <a:srgbClr val="FF0000"/>
-                </a:solidFill>
-              </a:rPr>
-              <a:t>one</a:t>
-            </a:r>
-            <a:r>
-              <a:rPr lang="en-IN" sz="2000" b="1" dirty="0" smtClean="0">
-                <a:solidFill>
-                  <a:schemeClr val="tx1">
-                    <a:lumMod val="85000"/>
-                    <a:lumOff val="15000"/>
-                  </a:schemeClr>
-                </a:solidFill>
-              </a:rPr>
-              <a:t> </a:t>
-            </a:r>
-            <a:r>
-              <a:rPr lang="en-IN" sz="2000" b="1" dirty="0" smtClean="0">
-                <a:solidFill>
-                  <a:srgbClr val="FF0000"/>
-                </a:solidFill>
-              </a:rPr>
-              <a:t>particular</a:t>
-            </a:r>
-            <a:r>
-              <a:rPr lang="en-IN" sz="2000" b="1" dirty="0" smtClean="0">
-                <a:solidFill>
-                  <a:schemeClr val="tx1">
-                    <a:lumMod val="85000"/>
-                    <a:lumOff val="15000"/>
-                  </a:schemeClr>
-                </a:solidFill>
-              </a:rPr>
-              <a:t>  </a:t>
-            </a:r>
-            <a:r>
-              <a:rPr lang="en-IN" sz="2000" b="1" dirty="0" smtClean="0">
-                <a:solidFill>
-                  <a:srgbClr val="FF0000"/>
-                </a:solidFill>
-              </a:rPr>
-              <a:t>data type</a:t>
-            </a:r>
-          </a:p>
-          <a:p>
-            <a:endParaRPr lang="en-IN" sz="2000" b="1" dirty="0" smtClean="0">
-              <a:solidFill>
-                <a:schemeClr val="tx1">
-                  <a:lumMod val="85000"/>
-                  <a:lumOff val="15000"/>
-                </a:schemeClr>
-              </a:solidFill>
-            </a:endParaRPr>
-          </a:p>
-          <a:p>
-            <a:r>
-              <a:rPr lang="en-IN" sz="2000" b="1" dirty="0" err="1" smtClean="0">
-                <a:solidFill>
-                  <a:schemeClr val="tx1">
-                    <a:lumMod val="85000"/>
-                    <a:lumOff val="15000"/>
-                  </a:schemeClr>
-                </a:solidFill>
-              </a:rPr>
-              <a:t>Eg</a:t>
-            </a:r>
-            <a:r>
-              <a:rPr lang="en-IN" sz="2000" b="1" dirty="0" smtClean="0">
-                <a:solidFill>
-                  <a:schemeClr val="tx1">
-                    <a:lumMod val="85000"/>
-                    <a:lumOff val="15000"/>
-                  </a:schemeClr>
-                </a:solidFill>
-              </a:rPr>
-              <a:t>.  	</a:t>
-            </a:r>
-            <a:r>
-              <a:rPr lang="en-IN" sz="2000" b="1" dirty="0" err="1" smtClean="0">
-                <a:solidFill>
-                  <a:srgbClr val="FF0000"/>
-                </a:solidFill>
-              </a:rPr>
-              <a:t>int</a:t>
-            </a:r>
-            <a:r>
-              <a:rPr lang="en-IN" sz="2000" b="1" dirty="0" smtClean="0">
-                <a:solidFill>
-                  <a:schemeClr val="tx1">
-                    <a:lumMod val="85000"/>
-                    <a:lumOff val="15000"/>
-                  </a:schemeClr>
-                </a:solidFill>
-              </a:rPr>
-              <a:t> Num [1, 2, 5, 6]</a:t>
-            </a:r>
-          </a:p>
-          <a:p>
-            <a:pPr>
-              <a:buNone/>
-            </a:pPr>
-            <a:r>
-              <a:rPr lang="en-IN" sz="2000" b="1" dirty="0" smtClean="0">
-                <a:solidFill>
-                  <a:schemeClr val="tx1">
-                    <a:lumMod val="85000"/>
-                    <a:lumOff val="15000"/>
-                  </a:schemeClr>
-                </a:solidFill>
-              </a:rPr>
-              <a:t>			</a:t>
-            </a:r>
-            <a:r>
-              <a:rPr lang="en-IN" sz="2000" b="1" dirty="0" smtClean="0">
-                <a:solidFill>
-                  <a:srgbClr val="FF0000"/>
-                </a:solidFill>
-              </a:rPr>
-              <a:t>char</a:t>
-            </a:r>
-            <a:r>
-              <a:rPr lang="en-IN" sz="2000" b="1" dirty="0" smtClean="0">
-                <a:solidFill>
-                  <a:schemeClr val="tx1">
-                    <a:lumMod val="85000"/>
-                    <a:lumOff val="15000"/>
-                  </a:schemeClr>
-                </a:solidFill>
-              </a:rPr>
-              <a:t> Name [ “</a:t>
-            </a:r>
-            <a:r>
-              <a:rPr lang="en-IN" sz="2000" b="1" dirty="0" err="1" smtClean="0">
-                <a:solidFill>
-                  <a:schemeClr val="tx1">
-                    <a:lumMod val="85000"/>
-                    <a:lumOff val="15000"/>
-                  </a:schemeClr>
-                </a:solidFill>
-              </a:rPr>
-              <a:t>Arjun</a:t>
-            </a:r>
-            <a:r>
-              <a:rPr lang="en-IN" sz="2000" b="1" dirty="0" smtClean="0">
-                <a:solidFill>
-                  <a:schemeClr val="tx1">
-                    <a:lumMod val="85000"/>
-                    <a:lumOff val="15000"/>
-                  </a:schemeClr>
-                </a:solidFill>
-              </a:rPr>
-              <a:t>” , “</a:t>
-            </a:r>
-            <a:r>
-              <a:rPr lang="en-IN" sz="2000" b="1" dirty="0" err="1" smtClean="0">
-                <a:solidFill>
-                  <a:schemeClr val="tx1">
-                    <a:lumMod val="85000"/>
-                    <a:lumOff val="15000"/>
-                  </a:schemeClr>
-                </a:solidFill>
-              </a:rPr>
-              <a:t>Appu</a:t>
-            </a:r>
-            <a:r>
-              <a:rPr lang="en-IN" sz="2000" b="1" dirty="0" smtClean="0">
-                <a:solidFill>
-                  <a:schemeClr val="tx1">
-                    <a:lumMod val="85000"/>
-                    <a:lumOff val="15000"/>
-                  </a:schemeClr>
-                </a:solidFill>
-              </a:rPr>
-              <a:t>” , “</a:t>
-            </a:r>
-            <a:r>
-              <a:rPr lang="en-IN" sz="2000" b="1" dirty="0" err="1" smtClean="0">
-                <a:solidFill>
-                  <a:schemeClr val="tx1">
-                    <a:lumMod val="85000"/>
-                    <a:lumOff val="15000"/>
-                  </a:schemeClr>
-                </a:solidFill>
-              </a:rPr>
-              <a:t>vishnu</a:t>
-            </a:r>
-            <a:r>
-              <a:rPr lang="en-IN" sz="2000" b="1" dirty="0" smtClean="0">
-                <a:solidFill>
-                  <a:schemeClr val="tx1">
-                    <a:lumMod val="85000"/>
-                    <a:lumOff val="15000"/>
-                  </a:schemeClr>
-                </a:solidFill>
-              </a:rPr>
-              <a:t>” ]</a:t>
-            </a:r>
-            <a:endParaRPr lang="en-IN" b="1" dirty="0">
-              <a:solidFill>
-                <a:schemeClr val="tx1">
-                  <a:lumMod val="85000"/>
-                  <a:lumOff val="15000"/>
-                </a:schemeClr>
-              </a:solidFill>
-            </a:endParaRPr>
-          </a:p>
-        </p:txBody>
-      </p:sp>
-    </p:spTree>
-    <p:extLst>
-      <p:ext uri="{BB962C8B-B14F-4D97-AF65-F5344CB8AC3E}">
-        <p14:creationId xmlns:p14="http://schemas.microsoft.com/office/powerpoint/2010/main" val="1056927180"/>
-      </p:ext>
-    </p:extLst>
-  </p:cSld>
-  <p:clrMapOvr>
-    <a:masterClrMapping/>
-  </p:clrMapOvr>
-  <p:timing>
-    <p:tnLst>
-      <p:par>
-        <p:cTn id="1" dur="indefinite" restart="never" nodeType="tmRoot"/>
-      </p:par>
-    </p:tnLst>
-  </p:timing>
-</p:sld>
-</file>
-
-<file path=ppt/slides/slide20.xml><?xml version="1.0" encoding="utf-8"?>
+<file path=ppt/slides/slide23.xml><?xml version="1.0" encoding="utf-8"?>
 <p:sld xmlns:a="http://schemas.openxmlformats.org/drawingml/2006/main" xmlns:r="http://schemas.openxmlformats.org/officeDocument/2006/relationships" xmlns:p="http://schemas.openxmlformats.org/presentationml/2006/main">
   <p:cSld>
     <p:spTree>
@@ -14249,7 +14841,7 @@
 </p:sld>
 </file>
 
-<file path=ppt/slides/slide21.xml><?xml version="1.0" encoding="utf-8"?>
+<file path=ppt/slides/slide24.xml><?xml version="1.0" encoding="utf-8"?>
 <p:sld xmlns:a="http://schemas.openxmlformats.org/drawingml/2006/main" xmlns:r="http://schemas.openxmlformats.org/officeDocument/2006/relationships" xmlns:p="http://schemas.openxmlformats.org/presentationml/2006/main">
   <p:cSld>
     <p:spTree>
@@ -14389,7 +14981,7 @@
 </p:sld>
 </file>
 
-<file path=ppt/slides/slide22.xml><?xml version="1.0" encoding="utf-8"?>
+<file path=ppt/slides/slide25.xml><?xml version="1.0" encoding="utf-8"?>
 <p:sld xmlns:a="http://schemas.openxmlformats.org/drawingml/2006/main" xmlns:r="http://schemas.openxmlformats.org/officeDocument/2006/relationships" xmlns:p="http://schemas.openxmlformats.org/presentationml/2006/main">
   <p:cSld>
     <p:spTree>
@@ -15925,7 +16517,7 @@
 </p:sld>
 </file>
 
-<file path=ppt/slides/slide23.xml><?xml version="1.0" encoding="utf-8"?>
+<file path=ppt/slides/slide26.xml><?xml version="1.0" encoding="utf-8"?>
 <p:sld xmlns:a="http://schemas.openxmlformats.org/drawingml/2006/main" xmlns:r="http://schemas.openxmlformats.org/officeDocument/2006/relationships" xmlns:p="http://schemas.openxmlformats.org/presentationml/2006/main">
   <p:cSld>
     <p:spTree>
@@ -16109,7 +16701,7 @@
 </p:sld>
 </file>
 
-<file path=ppt/slides/slide24.xml><?xml version="1.0" encoding="utf-8"?>
+<file path=ppt/slides/slide27.xml><?xml version="1.0" encoding="utf-8"?>
 <p:sld xmlns:a="http://schemas.openxmlformats.org/drawingml/2006/main" xmlns:r="http://schemas.openxmlformats.org/officeDocument/2006/relationships" xmlns:p="http://schemas.openxmlformats.org/presentationml/2006/main">
   <p:cSld>
     <p:spTree>
@@ -16184,7 +16776,7 @@
 </p:sld>
 </file>
 
-<file path=ppt/slides/slide25.xml><?xml version="1.0" encoding="utf-8"?>
+<file path=ppt/slides/slide28.xml><?xml version="1.0" encoding="utf-8"?>
 <p:sld xmlns:a="http://schemas.openxmlformats.org/drawingml/2006/main" xmlns:r="http://schemas.openxmlformats.org/officeDocument/2006/relationships" xmlns:p="http://schemas.openxmlformats.org/presentationml/2006/main">
   <p:cSld>
     <p:spTree>
@@ -16503,7 +17095,7 @@
 </p:sld>
 </file>
 
-<file path=ppt/slides/slide26.xml><?xml version="1.0" encoding="utf-8"?>
+<file path=ppt/slides/slide29.xml><?xml version="1.0" encoding="utf-8"?>
 <p:sld xmlns:a="http://schemas.openxmlformats.org/drawingml/2006/main" xmlns:r="http://schemas.openxmlformats.org/officeDocument/2006/relationships" xmlns:p="http://schemas.openxmlformats.org/presentationml/2006/main">
   <p:cSld>
     <p:spTree>
@@ -17467,7 +18059,502 @@
 </p:sld>
 </file>
 
-<file path=ppt/slides/slide27.xml><?xml version="1.0" encoding="utf-8"?>
+<file path=ppt/slides/slide3.xml><?xml version="1.0" encoding="utf-8"?>
+<p:sld xmlns:a="http://schemas.openxmlformats.org/drawingml/2006/main" xmlns:r="http://schemas.openxmlformats.org/officeDocument/2006/relationships" xmlns:p="http://schemas.openxmlformats.org/presentationml/2006/main">
+  <p:cSld>
+    <p:spTree>
+      <p:nvGrpSpPr>
+        <p:cNvPr id="1" name=""/>
+        <p:cNvGrpSpPr/>
+        <p:nvPr/>
+      </p:nvGrpSpPr>
+      <p:grpSpPr>
+        <a:xfrm>
+          <a:off x="0" y="0"/>
+          <a:ext cx="0" cy="0"/>
+          <a:chOff x="0" y="0"/>
+          <a:chExt cx="0" cy="0"/>
+        </a:xfrm>
+      </p:grpSpPr>
+      <p:sp>
+        <p:nvSpPr>
+          <p:cNvPr id="2" name="Title 1"/>
+          <p:cNvSpPr>
+            <a:spLocks noGrp="1"/>
+          </p:cNvSpPr>
+          <p:nvPr>
+            <p:ph type="title"/>
+          </p:nvPr>
+        </p:nvSpPr>
+        <p:spPr>
+          <a:xfrm>
+            <a:off x="2592925" y="955342"/>
+            <a:ext cx="8911687" cy="949657"/>
+          </a:xfrm>
+        </p:spPr>
+        <p:txBody>
+          <a:bodyPr/>
+          <a:lstStyle/>
+          <a:p>
+            <a:r>
+              <a:rPr lang="en-IN" dirty="0" smtClean="0"/>
+              <a:t>Arrays	 And Needs</a:t>
+            </a:r>
+            <a:endParaRPr lang="en-IN" dirty="0"/>
+          </a:p>
+        </p:txBody>
+      </p:sp>
+      <p:sp>
+        <p:nvSpPr>
+          <p:cNvPr id="3" name="Content Placeholder 2"/>
+          <p:cNvSpPr>
+            <a:spLocks noGrp="1"/>
+          </p:cNvSpPr>
+          <p:nvPr>
+            <p:ph idx="1"/>
+          </p:nvPr>
+        </p:nvSpPr>
+        <p:spPr/>
+        <p:txBody>
+          <a:bodyPr>
+            <a:normAutofit/>
+          </a:bodyPr>
+          <a:lstStyle/>
+          <a:p>
+            <a:r>
+              <a:rPr lang="en-IN" sz="2000" b="1" dirty="0" smtClean="0">
+                <a:solidFill>
+                  <a:schemeClr val="tx1">
+                    <a:lumMod val="85000"/>
+                    <a:lumOff val="15000"/>
+                  </a:schemeClr>
+                </a:solidFill>
+              </a:rPr>
+              <a:t>The array stores a </a:t>
+            </a:r>
+            <a:r>
+              <a:rPr lang="en-IN" sz="2000" b="1" dirty="0" smtClean="0">
+                <a:solidFill>
+                  <a:srgbClr val="FF0000"/>
+                </a:solidFill>
+              </a:rPr>
+              <a:t>fixed-size</a:t>
+            </a:r>
+            <a:r>
+              <a:rPr lang="en-IN" sz="2000" b="1" dirty="0" smtClean="0">
+                <a:solidFill>
+                  <a:schemeClr val="tx1">
+                    <a:lumMod val="85000"/>
+                    <a:lumOff val="15000"/>
+                  </a:schemeClr>
+                </a:solidFill>
+              </a:rPr>
+              <a:t> </a:t>
+            </a:r>
+            <a:r>
+              <a:rPr lang="en-IN" sz="2000" b="1" dirty="0" smtClean="0">
+                <a:solidFill>
+                  <a:srgbClr val="FF0000"/>
+                </a:solidFill>
+              </a:rPr>
+              <a:t>sequential</a:t>
+            </a:r>
+            <a:r>
+              <a:rPr lang="en-IN" sz="2000" b="1" dirty="0" smtClean="0">
+                <a:solidFill>
+                  <a:schemeClr val="tx1">
+                    <a:lumMod val="85000"/>
+                    <a:lumOff val="15000"/>
+                  </a:schemeClr>
+                </a:solidFill>
+              </a:rPr>
+              <a:t> </a:t>
+            </a:r>
+            <a:r>
+              <a:rPr lang="en-IN" sz="2000" b="1" dirty="0" smtClean="0">
+                <a:solidFill>
+                  <a:schemeClr val="tx1"/>
+                </a:solidFill>
+              </a:rPr>
+              <a:t>collection</a:t>
+            </a:r>
+            <a:r>
+              <a:rPr lang="en-IN" sz="2000" b="1" dirty="0" smtClean="0">
+                <a:solidFill>
+                  <a:schemeClr val="tx1">
+                    <a:lumMod val="85000"/>
+                    <a:lumOff val="15000"/>
+                  </a:schemeClr>
+                </a:solidFill>
+              </a:rPr>
+              <a:t> of elements of the </a:t>
+            </a:r>
+            <a:r>
+              <a:rPr lang="en-IN" sz="2000" b="1" dirty="0" smtClean="0">
+                <a:solidFill>
+                  <a:srgbClr val="FF0000"/>
+                </a:solidFill>
+              </a:rPr>
+              <a:t>same data type</a:t>
+            </a:r>
+            <a:r>
+              <a:rPr lang="en-IN" sz="2000" b="1" dirty="0" smtClean="0">
+                <a:solidFill>
+                  <a:schemeClr val="tx1"/>
+                </a:solidFill>
+              </a:rPr>
+              <a:t>.</a:t>
+            </a:r>
+          </a:p>
+          <a:p>
+            <a:r>
+              <a:rPr lang="en-IN" sz="2000" b="1" dirty="0" smtClean="0">
+                <a:solidFill>
+                  <a:schemeClr val="tx1"/>
+                </a:solidFill>
+              </a:rPr>
+              <a:t>It can be </a:t>
+            </a:r>
+            <a:r>
+              <a:rPr lang="en-IN" sz="2000" b="1" dirty="0" smtClean="0">
+                <a:solidFill>
+                  <a:srgbClr val="FF0000"/>
+                </a:solidFill>
+              </a:rPr>
+              <a:t>access</a:t>
+            </a:r>
+            <a:r>
+              <a:rPr lang="en-IN" sz="2000" b="1" dirty="0" smtClean="0">
+                <a:solidFill>
+                  <a:schemeClr val="tx1"/>
+                </a:solidFill>
+              </a:rPr>
+              <a:t> </a:t>
+            </a:r>
+            <a:r>
+              <a:rPr lang="en-IN" sz="2000" b="1" dirty="0" smtClean="0">
+                <a:solidFill>
+                  <a:srgbClr val="FF0000"/>
+                </a:solidFill>
+              </a:rPr>
+              <a:t>more</a:t>
+            </a:r>
+            <a:r>
+              <a:rPr lang="en-IN" sz="2000" b="1" dirty="0" smtClean="0">
+                <a:solidFill>
+                  <a:schemeClr val="tx1"/>
+                </a:solidFill>
+              </a:rPr>
+              <a:t> </a:t>
+            </a:r>
+            <a:r>
+              <a:rPr lang="en-IN" sz="2000" b="1" dirty="0" smtClean="0">
+                <a:solidFill>
+                  <a:srgbClr val="FF0000"/>
+                </a:solidFill>
+              </a:rPr>
+              <a:t>than</a:t>
+            </a:r>
+            <a:r>
+              <a:rPr lang="en-IN" sz="2000" b="1" dirty="0" smtClean="0">
+                <a:solidFill>
+                  <a:schemeClr val="tx1"/>
+                </a:solidFill>
+              </a:rPr>
+              <a:t> one data using a </a:t>
+            </a:r>
+            <a:r>
+              <a:rPr lang="en-IN" sz="2000" b="1" dirty="0" smtClean="0">
+                <a:solidFill>
+                  <a:srgbClr val="FF0000"/>
+                </a:solidFill>
+              </a:rPr>
+              <a:t>single</a:t>
+            </a:r>
+            <a:r>
+              <a:rPr lang="en-IN" sz="2000" b="1" dirty="0" smtClean="0">
+                <a:solidFill>
+                  <a:schemeClr val="tx1"/>
+                </a:solidFill>
+              </a:rPr>
+              <a:t> </a:t>
+            </a:r>
+            <a:r>
+              <a:rPr lang="en-IN" sz="2000" b="1" dirty="0" smtClean="0">
+                <a:solidFill>
+                  <a:srgbClr val="FF0000"/>
+                </a:solidFill>
+              </a:rPr>
+              <a:t>variable. </a:t>
+            </a:r>
+          </a:p>
+          <a:p>
+            <a:r>
+              <a:rPr lang="en-IN" sz="2000" b="1" dirty="0" smtClean="0">
+                <a:solidFill>
+                  <a:schemeClr val="tx1"/>
+                </a:solidFill>
+              </a:rPr>
+              <a:t>A specific element in an array is accessed by an </a:t>
+            </a:r>
+            <a:r>
+              <a:rPr lang="en-IN" sz="2000" b="1" dirty="0" smtClean="0">
+                <a:solidFill>
+                  <a:srgbClr val="FF0000"/>
+                </a:solidFill>
+              </a:rPr>
+              <a:t>index</a:t>
+            </a:r>
+          </a:p>
+          <a:p>
+            <a:pPr>
+              <a:buNone/>
+            </a:pPr>
+            <a:r>
+              <a:rPr lang="en-IN" sz="2000" b="1" dirty="0" smtClean="0">
+                <a:solidFill>
+                  <a:srgbClr val="FF0000"/>
+                </a:solidFill>
+              </a:rPr>
+              <a:t>					</a:t>
+            </a:r>
+            <a:r>
+              <a:rPr lang="en-IN" sz="2000" b="1" dirty="0" err="1" smtClean="0">
+                <a:solidFill>
+                  <a:schemeClr val="tx1"/>
+                </a:solidFill>
+              </a:rPr>
+              <a:t>array_name</a:t>
+            </a:r>
+            <a:r>
+              <a:rPr lang="en-IN" sz="2000" b="1" dirty="0" smtClean="0">
+                <a:solidFill>
+                  <a:schemeClr val="tx1"/>
+                </a:solidFill>
+              </a:rPr>
+              <a:t> [</a:t>
+            </a:r>
+            <a:r>
+              <a:rPr lang="en-IN" sz="2000" b="1" dirty="0" smtClean="0">
+                <a:solidFill>
+                  <a:srgbClr val="FF0000"/>
+                </a:solidFill>
+              </a:rPr>
+              <a:t>index</a:t>
+            </a:r>
+            <a:r>
+              <a:rPr lang="en-IN" sz="2000" b="1" dirty="0" smtClean="0">
+                <a:solidFill>
+                  <a:schemeClr val="tx1"/>
+                </a:solidFill>
+              </a:rPr>
+              <a:t>]</a:t>
+            </a:r>
+            <a:endParaRPr lang="en-IN" sz="2000" b="1" dirty="0" smtClean="0">
+              <a:solidFill>
+                <a:srgbClr val="FF0000"/>
+              </a:solidFill>
+            </a:endParaRPr>
+          </a:p>
+          <a:p>
+            <a:r>
+              <a:rPr lang="en-IN" sz="2000" b="1" dirty="0" smtClean="0">
+                <a:solidFill>
+                  <a:schemeClr val="tx1"/>
+                </a:solidFill>
+              </a:rPr>
+              <a:t>All array have </a:t>
+            </a:r>
+            <a:r>
+              <a:rPr lang="en-IN" sz="2000" b="1" dirty="0" smtClean="0">
+                <a:solidFill>
+                  <a:srgbClr val="FF0000"/>
+                </a:solidFill>
+              </a:rPr>
+              <a:t>0</a:t>
+            </a:r>
+            <a:r>
+              <a:rPr lang="en-IN" sz="2000" b="1" dirty="0" smtClean="0">
+                <a:solidFill>
+                  <a:schemeClr val="tx1"/>
+                </a:solidFill>
+              </a:rPr>
+              <a:t> is the </a:t>
+            </a:r>
+            <a:r>
+              <a:rPr lang="en-IN" sz="2000" b="1" dirty="0" smtClean="0">
+                <a:solidFill>
+                  <a:srgbClr val="FF0000"/>
+                </a:solidFill>
+              </a:rPr>
+              <a:t>index</a:t>
+            </a:r>
+            <a:r>
+              <a:rPr lang="en-IN" sz="2000" b="1" dirty="0" smtClean="0">
+                <a:solidFill>
+                  <a:schemeClr val="tx1"/>
+                </a:solidFill>
+              </a:rPr>
+              <a:t> of </a:t>
+            </a:r>
+            <a:r>
+              <a:rPr lang="en-IN" sz="2000" b="1" dirty="0" smtClean="0">
+                <a:solidFill>
+                  <a:srgbClr val="FF0000"/>
+                </a:solidFill>
+              </a:rPr>
+              <a:t>1</a:t>
+            </a:r>
+            <a:r>
+              <a:rPr lang="en-IN" sz="2000" b="1" baseline="30000" dirty="0" smtClean="0">
+                <a:solidFill>
+                  <a:srgbClr val="FF0000"/>
+                </a:solidFill>
+              </a:rPr>
+              <a:t>st</a:t>
+            </a:r>
+            <a:r>
+              <a:rPr lang="en-IN" sz="2000" b="1" dirty="0" smtClean="0">
+                <a:solidFill>
+                  <a:srgbClr val="FF0000"/>
+                </a:solidFill>
+              </a:rPr>
+              <a:t> element</a:t>
+            </a:r>
+            <a:r>
+              <a:rPr lang="en-IN" sz="2000" b="1" dirty="0" smtClean="0">
+                <a:solidFill>
+                  <a:schemeClr val="tx1"/>
+                </a:solidFill>
+              </a:rPr>
+              <a:t>. Called “</a:t>
+            </a:r>
+            <a:r>
+              <a:rPr lang="en-IN" sz="2000" b="1" dirty="0" smtClean="0">
+                <a:solidFill>
+                  <a:srgbClr val="FF0000"/>
+                </a:solidFill>
+              </a:rPr>
+              <a:t>base index”</a:t>
+            </a:r>
+          </a:p>
+          <a:p>
+            <a:r>
+              <a:rPr lang="en-IN" sz="2000" b="1" dirty="0" smtClean="0">
+                <a:solidFill>
+                  <a:schemeClr val="tx1"/>
+                </a:solidFill>
+              </a:rPr>
+              <a:t>If an array have “</a:t>
+            </a:r>
+            <a:r>
+              <a:rPr lang="en-IN" sz="2000" b="1" dirty="0" smtClean="0">
+                <a:solidFill>
+                  <a:srgbClr val="FF0000"/>
+                </a:solidFill>
+              </a:rPr>
+              <a:t>N</a:t>
+            </a:r>
+            <a:r>
+              <a:rPr lang="en-IN" sz="2000" b="1" dirty="0" smtClean="0">
+                <a:solidFill>
+                  <a:schemeClr val="tx1"/>
+                </a:solidFill>
+              </a:rPr>
+              <a:t>” elements, then the </a:t>
+            </a:r>
+            <a:r>
+              <a:rPr lang="en-IN" sz="2000" b="1" dirty="0" smtClean="0">
+                <a:solidFill>
+                  <a:srgbClr val="FF0000"/>
+                </a:solidFill>
+              </a:rPr>
+              <a:t>last</a:t>
+            </a:r>
+            <a:r>
+              <a:rPr lang="en-IN" sz="2000" b="1" dirty="0" smtClean="0">
+                <a:solidFill>
+                  <a:schemeClr val="tx1"/>
+                </a:solidFill>
+              </a:rPr>
+              <a:t> </a:t>
+            </a:r>
+            <a:r>
+              <a:rPr lang="en-IN" sz="2000" b="1" dirty="0" smtClean="0">
+                <a:solidFill>
+                  <a:srgbClr val="FF0000"/>
+                </a:solidFill>
+              </a:rPr>
+              <a:t>element</a:t>
+            </a:r>
+            <a:r>
+              <a:rPr lang="en-IN" sz="2000" b="1" dirty="0" smtClean="0">
+                <a:solidFill>
+                  <a:schemeClr val="tx1"/>
+                </a:solidFill>
+              </a:rPr>
+              <a:t> index is “</a:t>
+            </a:r>
+            <a:r>
+              <a:rPr lang="en-IN" sz="2000" b="1" dirty="0" smtClean="0">
+                <a:solidFill>
+                  <a:srgbClr val="FF0000"/>
+                </a:solidFill>
+              </a:rPr>
+              <a:t>N – 1</a:t>
+            </a:r>
+            <a:r>
+              <a:rPr lang="en-IN" sz="2000" b="1" dirty="0" smtClean="0">
+                <a:solidFill>
+                  <a:schemeClr val="tx1"/>
+                </a:solidFill>
+              </a:rPr>
+              <a:t>”</a:t>
+            </a:r>
+          </a:p>
+          <a:p>
+            <a:pPr>
+              <a:buNone/>
+            </a:pPr>
+            <a:endParaRPr lang="en-IN" sz="2000" b="1" dirty="0" smtClean="0">
+              <a:solidFill>
+                <a:schemeClr val="tx1"/>
+              </a:solidFill>
+            </a:endParaRPr>
+          </a:p>
+          <a:p>
+            <a:pPr>
+              <a:buNone/>
+            </a:pPr>
+            <a:endParaRPr lang="en-IN" b="1" dirty="0">
+              <a:solidFill>
+                <a:schemeClr val="tx1"/>
+              </a:solidFill>
+            </a:endParaRPr>
+          </a:p>
+        </p:txBody>
+      </p:sp>
+    </p:spTree>
+    <p:extLst>
+      <p:ext uri="{BB962C8B-B14F-4D97-AF65-F5344CB8AC3E}">
+        <p14:creationId xmlns:p14="http://schemas.microsoft.com/office/powerpoint/2010/main" val="1056927180"/>
+      </p:ext>
+    </p:extLst>
+  </p:cSld>
+  <p:clrMapOvr>
+    <a:masterClrMapping/>
+  </p:clrMapOvr>
+  <p:timing>
+    <p:tnLst>
+      <p:par>
+        <p:cTn id="1" dur="indefinite" restart="never" nodeType="tmRoot"/>
+      </p:par>
+    </p:tnLst>
+  </p:timing>
+</p:sld>
+</file>
+
+<file path=ppt/slides/slide30.xml><?xml version="1.0" encoding="utf-8"?>
 <p:sld xmlns:a="http://schemas.openxmlformats.org/drawingml/2006/main" xmlns:r="http://schemas.openxmlformats.org/officeDocument/2006/relationships" xmlns:p="http://schemas.openxmlformats.org/presentationml/2006/main">
   <p:cSld>
     <p:spTree>
@@ -17566,7 +18653,7 @@
 </p:sld>
 </file>
 
-<file path=ppt/slides/slide28.xml><?xml version="1.0" encoding="utf-8"?>
+<file path=ppt/slides/slide31.xml><?xml version="1.0" encoding="utf-8"?>
 <p:sld xmlns:a="http://schemas.openxmlformats.org/drawingml/2006/main" xmlns:r="http://schemas.openxmlformats.org/officeDocument/2006/relationships" xmlns:p="http://schemas.openxmlformats.org/presentationml/2006/main">
   <p:cSld>
     <p:spTree>
@@ -17862,7 +18949,7 @@
 </p:sld>
 </file>
 
-<file path=ppt/slides/slide29.xml><?xml version="1.0" encoding="utf-8"?>
+<file path=ppt/slides/slide32.xml><?xml version="1.0" encoding="utf-8"?>
 <p:sld xmlns:a="http://schemas.openxmlformats.org/drawingml/2006/main" xmlns:r="http://schemas.openxmlformats.org/officeDocument/2006/relationships" xmlns:p="http://schemas.openxmlformats.org/presentationml/2006/main">
   <p:cSld>
     <p:spTree>
@@ -18279,502 +19366,7 @@
 </p:sld>
 </file>
 
-<file path=ppt/slides/slide3.xml><?xml version="1.0" encoding="utf-8"?>
-<p:sld xmlns:a="http://schemas.openxmlformats.org/drawingml/2006/main" xmlns:r="http://schemas.openxmlformats.org/officeDocument/2006/relationships" xmlns:p="http://schemas.openxmlformats.org/presentationml/2006/main">
-  <p:cSld>
-    <p:spTree>
-      <p:nvGrpSpPr>
-        <p:cNvPr id="1" name=""/>
-        <p:cNvGrpSpPr/>
-        <p:nvPr/>
-      </p:nvGrpSpPr>
-      <p:grpSpPr>
-        <a:xfrm>
-          <a:off x="0" y="0"/>
-          <a:ext cx="0" cy="0"/>
-          <a:chOff x="0" y="0"/>
-          <a:chExt cx="0" cy="0"/>
-        </a:xfrm>
-      </p:grpSpPr>
-      <p:sp>
-        <p:nvSpPr>
-          <p:cNvPr id="2" name="Title 1"/>
-          <p:cNvSpPr>
-            <a:spLocks noGrp="1"/>
-          </p:cNvSpPr>
-          <p:nvPr>
-            <p:ph type="title"/>
-          </p:nvPr>
-        </p:nvSpPr>
-        <p:spPr>
-          <a:xfrm>
-            <a:off x="2592925" y="955342"/>
-            <a:ext cx="8911687" cy="949657"/>
-          </a:xfrm>
-        </p:spPr>
-        <p:txBody>
-          <a:bodyPr/>
-          <a:lstStyle/>
-          <a:p>
-            <a:r>
-              <a:rPr lang="en-IN" dirty="0" smtClean="0"/>
-              <a:t>Arrays	 And Needs</a:t>
-            </a:r>
-            <a:endParaRPr lang="en-IN" dirty="0"/>
-          </a:p>
-        </p:txBody>
-      </p:sp>
-      <p:sp>
-        <p:nvSpPr>
-          <p:cNvPr id="3" name="Content Placeholder 2"/>
-          <p:cNvSpPr>
-            <a:spLocks noGrp="1"/>
-          </p:cNvSpPr>
-          <p:nvPr>
-            <p:ph idx="1"/>
-          </p:nvPr>
-        </p:nvSpPr>
-        <p:spPr/>
-        <p:txBody>
-          <a:bodyPr>
-            <a:normAutofit/>
-          </a:bodyPr>
-          <a:lstStyle/>
-          <a:p>
-            <a:r>
-              <a:rPr lang="en-IN" sz="2000" b="1" dirty="0" smtClean="0">
-                <a:solidFill>
-                  <a:schemeClr val="tx1">
-                    <a:lumMod val="85000"/>
-                    <a:lumOff val="15000"/>
-                  </a:schemeClr>
-                </a:solidFill>
-              </a:rPr>
-              <a:t>The array stores a </a:t>
-            </a:r>
-            <a:r>
-              <a:rPr lang="en-IN" sz="2000" b="1" dirty="0" smtClean="0">
-                <a:solidFill>
-                  <a:srgbClr val="FF0000"/>
-                </a:solidFill>
-              </a:rPr>
-              <a:t>fixed-size</a:t>
-            </a:r>
-            <a:r>
-              <a:rPr lang="en-IN" sz="2000" b="1" dirty="0" smtClean="0">
-                <a:solidFill>
-                  <a:schemeClr val="tx1">
-                    <a:lumMod val="85000"/>
-                    <a:lumOff val="15000"/>
-                  </a:schemeClr>
-                </a:solidFill>
-              </a:rPr>
-              <a:t> </a:t>
-            </a:r>
-            <a:r>
-              <a:rPr lang="en-IN" sz="2000" b="1" dirty="0" smtClean="0">
-                <a:solidFill>
-                  <a:srgbClr val="FF0000"/>
-                </a:solidFill>
-              </a:rPr>
-              <a:t>sequential</a:t>
-            </a:r>
-            <a:r>
-              <a:rPr lang="en-IN" sz="2000" b="1" dirty="0" smtClean="0">
-                <a:solidFill>
-                  <a:schemeClr val="tx1">
-                    <a:lumMod val="85000"/>
-                    <a:lumOff val="15000"/>
-                  </a:schemeClr>
-                </a:solidFill>
-              </a:rPr>
-              <a:t> </a:t>
-            </a:r>
-            <a:r>
-              <a:rPr lang="en-IN" sz="2000" b="1" dirty="0" smtClean="0">
-                <a:solidFill>
-                  <a:schemeClr val="tx1"/>
-                </a:solidFill>
-              </a:rPr>
-              <a:t>collection</a:t>
-            </a:r>
-            <a:r>
-              <a:rPr lang="en-IN" sz="2000" b="1" dirty="0" smtClean="0">
-                <a:solidFill>
-                  <a:schemeClr val="tx1">
-                    <a:lumMod val="85000"/>
-                    <a:lumOff val="15000"/>
-                  </a:schemeClr>
-                </a:solidFill>
-              </a:rPr>
-              <a:t> of elements of the </a:t>
-            </a:r>
-            <a:r>
-              <a:rPr lang="en-IN" sz="2000" b="1" dirty="0" smtClean="0">
-                <a:solidFill>
-                  <a:srgbClr val="FF0000"/>
-                </a:solidFill>
-              </a:rPr>
-              <a:t>same data type</a:t>
-            </a:r>
-            <a:r>
-              <a:rPr lang="en-IN" sz="2000" b="1" dirty="0" smtClean="0">
-                <a:solidFill>
-                  <a:schemeClr val="tx1"/>
-                </a:solidFill>
-              </a:rPr>
-              <a:t>.</a:t>
-            </a:r>
-          </a:p>
-          <a:p>
-            <a:r>
-              <a:rPr lang="en-IN" sz="2000" b="1" dirty="0" smtClean="0">
-                <a:solidFill>
-                  <a:schemeClr val="tx1"/>
-                </a:solidFill>
-              </a:rPr>
-              <a:t>It can be </a:t>
-            </a:r>
-            <a:r>
-              <a:rPr lang="en-IN" sz="2000" b="1" dirty="0" smtClean="0">
-                <a:solidFill>
-                  <a:srgbClr val="FF0000"/>
-                </a:solidFill>
-              </a:rPr>
-              <a:t>access</a:t>
-            </a:r>
-            <a:r>
-              <a:rPr lang="en-IN" sz="2000" b="1" dirty="0" smtClean="0">
-                <a:solidFill>
-                  <a:schemeClr val="tx1"/>
-                </a:solidFill>
-              </a:rPr>
-              <a:t> </a:t>
-            </a:r>
-            <a:r>
-              <a:rPr lang="en-IN" sz="2000" b="1" dirty="0" smtClean="0">
-                <a:solidFill>
-                  <a:srgbClr val="FF0000"/>
-                </a:solidFill>
-              </a:rPr>
-              <a:t>more</a:t>
-            </a:r>
-            <a:r>
-              <a:rPr lang="en-IN" sz="2000" b="1" dirty="0" smtClean="0">
-                <a:solidFill>
-                  <a:schemeClr val="tx1"/>
-                </a:solidFill>
-              </a:rPr>
-              <a:t> </a:t>
-            </a:r>
-            <a:r>
-              <a:rPr lang="en-IN" sz="2000" b="1" dirty="0" smtClean="0">
-                <a:solidFill>
-                  <a:srgbClr val="FF0000"/>
-                </a:solidFill>
-              </a:rPr>
-              <a:t>than</a:t>
-            </a:r>
-            <a:r>
-              <a:rPr lang="en-IN" sz="2000" b="1" dirty="0" smtClean="0">
-                <a:solidFill>
-                  <a:schemeClr val="tx1"/>
-                </a:solidFill>
-              </a:rPr>
-              <a:t> one data using a </a:t>
-            </a:r>
-            <a:r>
-              <a:rPr lang="en-IN" sz="2000" b="1" dirty="0" smtClean="0">
-                <a:solidFill>
-                  <a:srgbClr val="FF0000"/>
-                </a:solidFill>
-              </a:rPr>
-              <a:t>single</a:t>
-            </a:r>
-            <a:r>
-              <a:rPr lang="en-IN" sz="2000" b="1" dirty="0" smtClean="0">
-                <a:solidFill>
-                  <a:schemeClr val="tx1"/>
-                </a:solidFill>
-              </a:rPr>
-              <a:t> </a:t>
-            </a:r>
-            <a:r>
-              <a:rPr lang="en-IN" sz="2000" b="1" dirty="0" smtClean="0">
-                <a:solidFill>
-                  <a:srgbClr val="FF0000"/>
-                </a:solidFill>
-              </a:rPr>
-              <a:t>variable. </a:t>
-            </a:r>
-          </a:p>
-          <a:p>
-            <a:r>
-              <a:rPr lang="en-IN" sz="2000" b="1" dirty="0" smtClean="0">
-                <a:solidFill>
-                  <a:schemeClr val="tx1"/>
-                </a:solidFill>
-              </a:rPr>
-              <a:t>A specific element in an array is accessed by an </a:t>
-            </a:r>
-            <a:r>
-              <a:rPr lang="en-IN" sz="2000" b="1" dirty="0" smtClean="0">
-                <a:solidFill>
-                  <a:srgbClr val="FF0000"/>
-                </a:solidFill>
-              </a:rPr>
-              <a:t>index</a:t>
-            </a:r>
-          </a:p>
-          <a:p>
-            <a:pPr>
-              <a:buNone/>
-            </a:pPr>
-            <a:r>
-              <a:rPr lang="en-IN" sz="2000" b="1" dirty="0" smtClean="0">
-                <a:solidFill>
-                  <a:srgbClr val="FF0000"/>
-                </a:solidFill>
-              </a:rPr>
-              <a:t>					</a:t>
-            </a:r>
-            <a:r>
-              <a:rPr lang="en-IN" sz="2000" b="1" dirty="0" err="1" smtClean="0">
-                <a:solidFill>
-                  <a:schemeClr val="tx1"/>
-                </a:solidFill>
-              </a:rPr>
-              <a:t>array_name</a:t>
-            </a:r>
-            <a:r>
-              <a:rPr lang="en-IN" sz="2000" b="1" dirty="0" smtClean="0">
-                <a:solidFill>
-                  <a:schemeClr val="tx1"/>
-                </a:solidFill>
-              </a:rPr>
-              <a:t> [</a:t>
-            </a:r>
-            <a:r>
-              <a:rPr lang="en-IN" sz="2000" b="1" dirty="0" smtClean="0">
-                <a:solidFill>
-                  <a:srgbClr val="FF0000"/>
-                </a:solidFill>
-              </a:rPr>
-              <a:t>index</a:t>
-            </a:r>
-            <a:r>
-              <a:rPr lang="en-IN" sz="2000" b="1" dirty="0" smtClean="0">
-                <a:solidFill>
-                  <a:schemeClr val="tx1"/>
-                </a:solidFill>
-              </a:rPr>
-              <a:t>]</a:t>
-            </a:r>
-            <a:endParaRPr lang="en-IN" sz="2000" b="1" dirty="0" smtClean="0">
-              <a:solidFill>
-                <a:srgbClr val="FF0000"/>
-              </a:solidFill>
-            </a:endParaRPr>
-          </a:p>
-          <a:p>
-            <a:r>
-              <a:rPr lang="en-IN" sz="2000" b="1" dirty="0" smtClean="0">
-                <a:solidFill>
-                  <a:schemeClr val="tx1"/>
-                </a:solidFill>
-              </a:rPr>
-              <a:t>All array have </a:t>
-            </a:r>
-            <a:r>
-              <a:rPr lang="en-IN" sz="2000" b="1" dirty="0" smtClean="0">
-                <a:solidFill>
-                  <a:srgbClr val="FF0000"/>
-                </a:solidFill>
-              </a:rPr>
-              <a:t>0</a:t>
-            </a:r>
-            <a:r>
-              <a:rPr lang="en-IN" sz="2000" b="1" dirty="0" smtClean="0">
-                <a:solidFill>
-                  <a:schemeClr val="tx1"/>
-                </a:solidFill>
-              </a:rPr>
-              <a:t> is the </a:t>
-            </a:r>
-            <a:r>
-              <a:rPr lang="en-IN" sz="2000" b="1" dirty="0" smtClean="0">
-                <a:solidFill>
-                  <a:srgbClr val="FF0000"/>
-                </a:solidFill>
-              </a:rPr>
-              <a:t>index</a:t>
-            </a:r>
-            <a:r>
-              <a:rPr lang="en-IN" sz="2000" b="1" dirty="0" smtClean="0">
-                <a:solidFill>
-                  <a:schemeClr val="tx1"/>
-                </a:solidFill>
-              </a:rPr>
-              <a:t> of </a:t>
-            </a:r>
-            <a:r>
-              <a:rPr lang="en-IN" sz="2000" b="1" dirty="0" smtClean="0">
-                <a:solidFill>
-                  <a:srgbClr val="FF0000"/>
-                </a:solidFill>
-              </a:rPr>
-              <a:t>1</a:t>
-            </a:r>
-            <a:r>
-              <a:rPr lang="en-IN" sz="2000" b="1" baseline="30000" dirty="0" smtClean="0">
-                <a:solidFill>
-                  <a:srgbClr val="FF0000"/>
-                </a:solidFill>
-              </a:rPr>
-              <a:t>st</a:t>
-            </a:r>
-            <a:r>
-              <a:rPr lang="en-IN" sz="2000" b="1" dirty="0" smtClean="0">
-                <a:solidFill>
-                  <a:srgbClr val="FF0000"/>
-                </a:solidFill>
-              </a:rPr>
-              <a:t> element</a:t>
-            </a:r>
-            <a:r>
-              <a:rPr lang="en-IN" sz="2000" b="1" dirty="0" smtClean="0">
-                <a:solidFill>
-                  <a:schemeClr val="tx1"/>
-                </a:solidFill>
-              </a:rPr>
-              <a:t>. Called “</a:t>
-            </a:r>
-            <a:r>
-              <a:rPr lang="en-IN" sz="2000" b="1" dirty="0" smtClean="0">
-                <a:solidFill>
-                  <a:srgbClr val="FF0000"/>
-                </a:solidFill>
-              </a:rPr>
-              <a:t>base index”</a:t>
-            </a:r>
-          </a:p>
-          <a:p>
-            <a:r>
-              <a:rPr lang="en-IN" sz="2000" b="1" dirty="0" smtClean="0">
-                <a:solidFill>
-                  <a:schemeClr val="tx1"/>
-                </a:solidFill>
-              </a:rPr>
-              <a:t>If an array have “</a:t>
-            </a:r>
-            <a:r>
-              <a:rPr lang="en-IN" sz="2000" b="1" dirty="0" smtClean="0">
-                <a:solidFill>
-                  <a:srgbClr val="FF0000"/>
-                </a:solidFill>
-              </a:rPr>
-              <a:t>N</a:t>
-            </a:r>
-            <a:r>
-              <a:rPr lang="en-IN" sz="2000" b="1" dirty="0" smtClean="0">
-                <a:solidFill>
-                  <a:schemeClr val="tx1"/>
-                </a:solidFill>
-              </a:rPr>
-              <a:t>” elements, then the </a:t>
-            </a:r>
-            <a:r>
-              <a:rPr lang="en-IN" sz="2000" b="1" dirty="0" smtClean="0">
-                <a:solidFill>
-                  <a:srgbClr val="FF0000"/>
-                </a:solidFill>
-              </a:rPr>
-              <a:t>last</a:t>
-            </a:r>
-            <a:r>
-              <a:rPr lang="en-IN" sz="2000" b="1" dirty="0" smtClean="0">
-                <a:solidFill>
-                  <a:schemeClr val="tx1"/>
-                </a:solidFill>
-              </a:rPr>
-              <a:t> </a:t>
-            </a:r>
-            <a:r>
-              <a:rPr lang="en-IN" sz="2000" b="1" dirty="0" smtClean="0">
-                <a:solidFill>
-                  <a:srgbClr val="FF0000"/>
-                </a:solidFill>
-              </a:rPr>
-              <a:t>element</a:t>
-            </a:r>
-            <a:r>
-              <a:rPr lang="en-IN" sz="2000" b="1" dirty="0" smtClean="0">
-                <a:solidFill>
-                  <a:schemeClr val="tx1"/>
-                </a:solidFill>
-              </a:rPr>
-              <a:t> index is “</a:t>
-            </a:r>
-            <a:r>
-              <a:rPr lang="en-IN" sz="2000" b="1" dirty="0" smtClean="0">
-                <a:solidFill>
-                  <a:srgbClr val="FF0000"/>
-                </a:solidFill>
-              </a:rPr>
-              <a:t>N – 1</a:t>
-            </a:r>
-            <a:r>
-              <a:rPr lang="en-IN" sz="2000" b="1" dirty="0" smtClean="0">
-                <a:solidFill>
-                  <a:schemeClr val="tx1"/>
-                </a:solidFill>
-              </a:rPr>
-              <a:t>”</a:t>
-            </a:r>
-          </a:p>
-          <a:p>
-            <a:pPr>
-              <a:buNone/>
-            </a:pPr>
-            <a:endParaRPr lang="en-IN" sz="2000" b="1" dirty="0" smtClean="0">
-              <a:solidFill>
-                <a:schemeClr val="tx1"/>
-              </a:solidFill>
-            </a:endParaRPr>
-          </a:p>
-          <a:p>
-            <a:pPr>
-              <a:buNone/>
-            </a:pPr>
-            <a:endParaRPr lang="en-IN" b="1" dirty="0">
-              <a:solidFill>
-                <a:schemeClr val="tx1"/>
-              </a:solidFill>
-            </a:endParaRPr>
-          </a:p>
-        </p:txBody>
-      </p:sp>
-    </p:spTree>
-    <p:extLst>
-      <p:ext uri="{BB962C8B-B14F-4D97-AF65-F5344CB8AC3E}">
-        <p14:creationId xmlns:p14="http://schemas.microsoft.com/office/powerpoint/2010/main" val="1056927180"/>
-      </p:ext>
-    </p:extLst>
-  </p:cSld>
-  <p:clrMapOvr>
-    <a:masterClrMapping/>
-  </p:clrMapOvr>
-  <p:timing>
-    <p:tnLst>
-      <p:par>
-        <p:cTn id="1" dur="indefinite" restart="never" nodeType="tmRoot"/>
-      </p:par>
-    </p:tnLst>
-  </p:timing>
-</p:sld>
-</file>
-
-<file path=ppt/slides/slide30.xml><?xml version="1.0" encoding="utf-8"?>
+<file path=ppt/slides/slide33.xml><?xml version="1.0" encoding="utf-8"?>
 <p:sld xmlns:a="http://schemas.openxmlformats.org/drawingml/2006/main" xmlns:r="http://schemas.openxmlformats.org/officeDocument/2006/relationships" xmlns:p="http://schemas.openxmlformats.org/presentationml/2006/main">
   <p:cSld>
     <p:spTree>
@@ -19351,7 +19943,7 @@
 </p:sld>
 </file>
 
-<file path=ppt/slides/slide31.xml><?xml version="1.0" encoding="utf-8"?>
+<file path=ppt/slides/slide34.xml><?xml version="1.0" encoding="utf-8"?>
 <p:sld xmlns:a="http://schemas.openxmlformats.org/drawingml/2006/main" xmlns:r="http://schemas.openxmlformats.org/officeDocument/2006/relationships" xmlns:p="http://schemas.openxmlformats.org/presentationml/2006/main">
   <p:cSld>
     <p:spTree>
@@ -19426,7 +20018,7 @@
 </p:sld>
 </file>
 
-<file path=ppt/slides/slide32.xml><?xml version="1.0" encoding="utf-8"?>
+<file path=ppt/slides/slide35.xml><?xml version="1.0" encoding="utf-8"?>
 <p:sld xmlns:a="http://schemas.openxmlformats.org/drawingml/2006/main" xmlns:r="http://schemas.openxmlformats.org/officeDocument/2006/relationships" xmlns:p="http://schemas.openxmlformats.org/presentationml/2006/main">
   <p:cSld>
     <p:spTree>
@@ -19728,7 +20320,7 @@
 </p:sld>
 </file>
 
-<file path=ppt/slides/slide33.xml><?xml version="1.0" encoding="utf-8"?>
+<file path=ppt/slides/slide36.xml><?xml version="1.0" encoding="utf-8"?>
 <p:sld xmlns:a="http://schemas.openxmlformats.org/drawingml/2006/main" xmlns:r="http://schemas.openxmlformats.org/officeDocument/2006/relationships" xmlns:p="http://schemas.openxmlformats.org/presentationml/2006/main">
   <p:cSld>
     <p:spTree>
@@ -19803,7 +20395,7 @@
 </p:sld>
 </file>
 
-<file path=ppt/slides/slide34.xml><?xml version="1.0" encoding="utf-8"?>
+<file path=ppt/slides/slide37.xml><?xml version="1.0" encoding="utf-8"?>
 <p:sld xmlns:a="http://schemas.openxmlformats.org/drawingml/2006/main" xmlns:r="http://schemas.openxmlformats.org/officeDocument/2006/relationships" xmlns:p="http://schemas.openxmlformats.org/presentationml/2006/main">
   <p:cSld>
     <p:spTree>
@@ -20105,7 +20697,7 @@
 </p:sld>
 </file>
 
-<file path=ppt/slides/slide35.xml><?xml version="1.0" encoding="utf-8"?>
+<file path=ppt/slides/slide38.xml><?xml version="1.0" encoding="utf-8"?>
 <p:sld xmlns:a="http://schemas.openxmlformats.org/drawingml/2006/main" xmlns:r="http://schemas.openxmlformats.org/officeDocument/2006/relationships" xmlns:p="http://schemas.openxmlformats.org/presentationml/2006/main">
   <p:cSld>
     <p:spTree>
@@ -20180,7 +20772,7 @@
 </p:sld>
 </file>
 
-<file path=ppt/slides/slide36.xml><?xml version="1.0" encoding="utf-8"?>
+<file path=ppt/slides/slide39.xml><?xml version="1.0" encoding="utf-8"?>
 <p:sld xmlns:a="http://schemas.openxmlformats.org/drawingml/2006/main" xmlns:r="http://schemas.openxmlformats.org/officeDocument/2006/relationships" xmlns:p="http://schemas.openxmlformats.org/presentationml/2006/main">
   <p:cSld>
     <p:spTree>
@@ -20438,81 +21030,6 @@
 </p:sld>
 </file>
 
-<file path=ppt/slides/slide37.xml><?xml version="1.0" encoding="utf-8"?>
-<p:sld xmlns:a="http://schemas.openxmlformats.org/drawingml/2006/main" xmlns:r="http://schemas.openxmlformats.org/officeDocument/2006/relationships" xmlns:p="http://schemas.openxmlformats.org/presentationml/2006/main">
-  <p:cSld>
-    <p:spTree>
-      <p:nvGrpSpPr>
-        <p:cNvPr id="1" name=""/>
-        <p:cNvGrpSpPr/>
-        <p:nvPr/>
-      </p:nvGrpSpPr>
-      <p:grpSpPr>
-        <a:xfrm>
-          <a:off x="0" y="0"/>
-          <a:ext cx="0" cy="0"/>
-          <a:chOff x="0" y="0"/>
-          <a:chExt cx="0" cy="0"/>
-        </a:xfrm>
-      </p:grpSpPr>
-      <p:sp>
-        <p:nvSpPr>
-          <p:cNvPr id="2" name="Title 1"/>
-          <p:cNvSpPr>
-            <a:spLocks noGrp="1"/>
-          </p:cNvSpPr>
-          <p:nvPr>
-            <p:ph type="title"/>
-          </p:nvPr>
-        </p:nvSpPr>
-        <p:spPr/>
-        <p:txBody>
-          <a:bodyPr/>
-          <a:lstStyle/>
-          <a:p>
-            <a:endParaRPr lang="en-IN"/>
-          </a:p>
-        </p:txBody>
-      </p:sp>
-      <p:sp>
-        <p:nvSpPr>
-          <p:cNvPr id="3" name="Content Placeholder 2"/>
-          <p:cNvSpPr>
-            <a:spLocks noGrp="1"/>
-          </p:cNvSpPr>
-          <p:nvPr>
-            <p:ph idx="1"/>
-          </p:nvPr>
-        </p:nvSpPr>
-        <p:spPr/>
-        <p:txBody>
-          <a:bodyPr/>
-          <a:lstStyle/>
-          <a:p>
-            <a:endParaRPr lang="en-IN"/>
-          </a:p>
-        </p:txBody>
-      </p:sp>
-    </p:spTree>
-    <p:extLst>
-      <p:ext uri="{BB962C8B-B14F-4D97-AF65-F5344CB8AC3E}">
-        <p14:creationId xmlns:p14="http://schemas.microsoft.com/office/powerpoint/2010/main" val="3805772473"/>
-      </p:ext>
-    </p:extLst>
-  </p:cSld>
-  <p:clrMapOvr>
-    <a:masterClrMapping/>
-  </p:clrMapOvr>
-  <p:timing>
-    <p:tnLst>
-      <p:par>
-        <p:cTn id="1" dur="indefinite" restart="never" nodeType="tmRoot"/>
-      </p:par>
-    </p:tnLst>
-  </p:timing>
-</p:sld>
-</file>
-
 <file path=ppt/slides/slide4.xml><?xml version="1.0" encoding="utf-8"?>
 <p:sld xmlns:a="http://schemas.openxmlformats.org/drawingml/2006/main" xmlns:r="http://schemas.openxmlformats.org/officeDocument/2006/relationships" xmlns:p="http://schemas.openxmlformats.org/presentationml/2006/main">
   <p:cSld>
@@ -20577,15 +21094,7 @@
                   <a:schemeClr val="tx1"/>
                 </a:solidFill>
               </a:rPr>
-              <a:t>  </a:t>
-            </a:r>
-            <a:r>
-              <a:rPr lang="en-GB" sz="2400" b="1" dirty="0" smtClean="0">
-                <a:solidFill>
-                  <a:schemeClr val="tx1"/>
-                </a:solidFill>
-              </a:rPr>
-              <a:t>mark [ 20 , 35 , 68 , 200 , 50 ]</a:t>
+              <a:t>  mark [ 20 , 35 , 68 , 200 , 50 ]</a:t>
             </a:r>
             <a:endParaRPr lang="en-GB" sz="2400" b="1" dirty="0">
               <a:solidFill>
@@ -21024,6 +21533,81 @@
   <p:clrMapOvr>
     <a:masterClrMapping/>
   </p:clrMapOvr>
+</p:sld>
+</file>
+
+<file path=ppt/slides/slide40.xml><?xml version="1.0" encoding="utf-8"?>
+<p:sld xmlns:a="http://schemas.openxmlformats.org/drawingml/2006/main" xmlns:r="http://schemas.openxmlformats.org/officeDocument/2006/relationships" xmlns:p="http://schemas.openxmlformats.org/presentationml/2006/main">
+  <p:cSld>
+    <p:spTree>
+      <p:nvGrpSpPr>
+        <p:cNvPr id="1" name=""/>
+        <p:cNvGrpSpPr/>
+        <p:nvPr/>
+      </p:nvGrpSpPr>
+      <p:grpSpPr>
+        <a:xfrm>
+          <a:off x="0" y="0"/>
+          <a:ext cx="0" cy="0"/>
+          <a:chOff x="0" y="0"/>
+          <a:chExt cx="0" cy="0"/>
+        </a:xfrm>
+      </p:grpSpPr>
+      <p:sp>
+        <p:nvSpPr>
+          <p:cNvPr id="2" name="Title 1"/>
+          <p:cNvSpPr>
+            <a:spLocks noGrp="1"/>
+          </p:cNvSpPr>
+          <p:nvPr>
+            <p:ph type="title"/>
+          </p:nvPr>
+        </p:nvSpPr>
+        <p:spPr/>
+        <p:txBody>
+          <a:bodyPr/>
+          <a:lstStyle/>
+          <a:p>
+            <a:endParaRPr lang="en-IN"/>
+          </a:p>
+        </p:txBody>
+      </p:sp>
+      <p:sp>
+        <p:nvSpPr>
+          <p:cNvPr id="3" name="Content Placeholder 2"/>
+          <p:cNvSpPr>
+            <a:spLocks noGrp="1"/>
+          </p:cNvSpPr>
+          <p:nvPr>
+            <p:ph idx="1"/>
+          </p:nvPr>
+        </p:nvSpPr>
+        <p:spPr/>
+        <p:txBody>
+          <a:bodyPr/>
+          <a:lstStyle/>
+          <a:p>
+            <a:endParaRPr lang="en-IN"/>
+          </a:p>
+        </p:txBody>
+      </p:sp>
+    </p:spTree>
+    <p:extLst>
+      <p:ext uri="{BB962C8B-B14F-4D97-AF65-F5344CB8AC3E}">
+        <p14:creationId xmlns:p14="http://schemas.microsoft.com/office/powerpoint/2010/main" val="3805772473"/>
+      </p:ext>
+    </p:extLst>
+  </p:cSld>
+  <p:clrMapOvr>
+    <a:masterClrMapping/>
+  </p:clrMapOvr>
+  <p:timing>
+    <p:tnLst>
+      <p:par>
+        <p:cTn id="1" dur="indefinite" restart="never" nodeType="tmRoot"/>
+      </p:par>
+    </p:tnLst>
+  </p:timing>
 </p:sld>
 </file>
 
@@ -24353,32 +24937,17 @@
                 </a:solidFill>
                 <a:latin typeface="+mj-lt"/>
               </a:rPr>
-              <a:t>square </a:t>
+              <a:t>square brackets [ ]</a:t>
             </a:r>
             <a:r>
               <a:rPr lang="en-GB" sz="2000" b="1" dirty="0" smtClean="0">
                 <a:solidFill>
-                  <a:srgbClr val="FF0000"/>
+                  <a:schemeClr val="tx1"/>
                 </a:solidFill>
                 <a:latin typeface="+mj-lt"/>
               </a:rPr>
-              <a:t>brackets [ ]</a:t>
-            </a:r>
-            <a:r>
-              <a:rPr lang="en-GB" sz="2000" b="1" dirty="0" smtClean="0">
-                <a:solidFill>
-                  <a:schemeClr val="tx1"/>
-                </a:solidFill>
-                <a:latin typeface="+mj-lt"/>
-              </a:rPr>
               <a:t>.</a:t>
             </a:r>
-            <a:endParaRPr lang="en-GB" sz="2000" b="1" dirty="0" smtClean="0">
-              <a:solidFill>
-                <a:schemeClr val="tx1"/>
-              </a:solidFill>
-              <a:latin typeface="+mj-lt"/>
-            </a:endParaRPr>
           </a:p>
           <a:p>
             <a:endParaRPr lang="en-GB" sz="2000" b="1" dirty="0" smtClean="0">
